--- a/PPS/week_5/Lab5.pptx
+++ b/PPS/week_5/Lab5.pptx
@@ -13,6 +13,7 @@
     <p:sldId id="267" r:id="rId7"/>
     <p:sldId id="268" r:id="rId8"/>
     <p:sldId id="263" r:id="rId9"/>
+    <p:sldId id="269" r:id="rId10"/>
   </p:sldIdLst>
   <p:sldSz cx="12192000" cy="6858000"/>
   <p:notesSz cx="6858000" cy="9144000"/>
@@ -841,7 +842,7 @@
           <a:p>
             <a:fld id="{84F14C54-C974-7748-A6AD-8E5F4EA0395C}" type="datetimeFigureOut">
               <a:rPr lang="fr-FR" smtClean="0"/>
-              <a:t>23/03/2025</a:t>
+              <a:t>24/03/2025</a:t>
             </a:fld>
             <a:endParaRPr lang="fr-FR"/>
           </a:p>
@@ -1092,7 +1093,7 @@
           <a:p>
             <a:fld id="{84F14C54-C974-7748-A6AD-8E5F4EA0395C}" type="datetimeFigureOut">
               <a:rPr lang="fr-FR" smtClean="0"/>
-              <a:t>23/03/2025</a:t>
+              <a:t>24/03/2025</a:t>
             </a:fld>
             <a:endParaRPr lang="fr-FR"/>
           </a:p>
@@ -1406,7 +1407,7 @@
           <a:p>
             <a:fld id="{84F14C54-C974-7748-A6AD-8E5F4EA0395C}" type="datetimeFigureOut">
               <a:rPr lang="fr-FR" smtClean="0"/>
-              <a:t>23/03/2025</a:t>
+              <a:t>24/03/2025</a:t>
             </a:fld>
             <a:endParaRPr lang="fr-FR"/>
           </a:p>
@@ -1747,7 +1748,7 @@
           <a:p>
             <a:fld id="{84F14C54-C974-7748-A6AD-8E5F4EA0395C}" type="datetimeFigureOut">
               <a:rPr lang="fr-FR" smtClean="0"/>
-              <a:t>23/03/2025</a:t>
+              <a:t>24/03/2025</a:t>
             </a:fld>
             <a:endParaRPr lang="fr-FR"/>
           </a:p>
@@ -2061,7 +2062,7 @@
           <a:p>
             <a:fld id="{84F14C54-C974-7748-A6AD-8E5F4EA0395C}" type="datetimeFigureOut">
               <a:rPr lang="fr-FR" smtClean="0"/>
-              <a:t>23/03/2025</a:t>
+              <a:t>24/03/2025</a:t>
             </a:fld>
             <a:endParaRPr lang="fr-FR"/>
           </a:p>
@@ -2454,7 +2455,7 @@
           <a:p>
             <a:fld id="{84F14C54-C974-7748-A6AD-8E5F4EA0395C}" type="datetimeFigureOut">
               <a:rPr lang="fr-FR" smtClean="0"/>
-              <a:t>23/03/2025</a:t>
+              <a:t>24/03/2025</a:t>
             </a:fld>
             <a:endParaRPr lang="fr-FR"/>
           </a:p>
@@ -2624,7 +2625,7 @@
           <a:p>
             <a:fld id="{84F14C54-C974-7748-A6AD-8E5F4EA0395C}" type="datetimeFigureOut">
               <a:rPr lang="fr-FR" smtClean="0"/>
-              <a:t>23/03/2025</a:t>
+              <a:t>24/03/2025</a:t>
             </a:fld>
             <a:endParaRPr lang="fr-FR"/>
           </a:p>
@@ -2804,7 +2805,7 @@
           <a:p>
             <a:fld id="{84F14C54-C974-7748-A6AD-8E5F4EA0395C}" type="datetimeFigureOut">
               <a:rPr lang="fr-FR" smtClean="0"/>
-              <a:t>23/03/2025</a:t>
+              <a:t>24/03/2025</a:t>
             </a:fld>
             <a:endParaRPr lang="fr-FR"/>
           </a:p>
@@ -2980,7 +2981,7 @@
           <a:p>
             <a:fld id="{84F14C54-C974-7748-A6AD-8E5F4EA0395C}" type="datetimeFigureOut">
               <a:rPr lang="fr-FR" smtClean="0"/>
-              <a:t>23/03/2025</a:t>
+              <a:t>24/03/2025</a:t>
             </a:fld>
             <a:endParaRPr lang="fr-FR"/>
           </a:p>
@@ -3227,7 +3228,7 @@
           <a:p>
             <a:fld id="{84F14C54-C974-7748-A6AD-8E5F4EA0395C}" type="datetimeFigureOut">
               <a:rPr lang="fr-FR" smtClean="0"/>
-              <a:t>23/03/2025</a:t>
+              <a:t>24/03/2025</a:t>
             </a:fld>
             <a:endParaRPr lang="fr-FR"/>
           </a:p>
@@ -3459,7 +3460,7 @@
           <a:p>
             <a:fld id="{84F14C54-C974-7748-A6AD-8E5F4EA0395C}" type="datetimeFigureOut">
               <a:rPr lang="fr-FR" smtClean="0"/>
-              <a:t>23/03/2025</a:t>
+              <a:t>24/03/2025</a:t>
             </a:fld>
             <a:endParaRPr lang="fr-FR"/>
           </a:p>
@@ -3833,7 +3834,7 @@
           <a:p>
             <a:fld id="{84F14C54-C974-7748-A6AD-8E5F4EA0395C}" type="datetimeFigureOut">
               <a:rPr lang="fr-FR" smtClean="0"/>
-              <a:t>23/03/2025</a:t>
+              <a:t>24/03/2025</a:t>
             </a:fld>
             <a:endParaRPr lang="fr-FR"/>
           </a:p>
@@ -3956,7 +3957,7 @@
           <a:p>
             <a:fld id="{84F14C54-C974-7748-A6AD-8E5F4EA0395C}" type="datetimeFigureOut">
               <a:rPr lang="fr-FR" smtClean="0"/>
-              <a:t>23/03/2025</a:t>
+              <a:t>24/03/2025</a:t>
             </a:fld>
             <a:endParaRPr lang="fr-FR"/>
           </a:p>
@@ -4051,7 +4052,7 @@
           <a:p>
             <a:fld id="{84F14C54-C974-7748-A6AD-8E5F4EA0395C}" type="datetimeFigureOut">
               <a:rPr lang="fr-FR" smtClean="0"/>
-              <a:t>23/03/2025</a:t>
+              <a:t>24/03/2025</a:t>
             </a:fld>
             <a:endParaRPr lang="fr-FR"/>
           </a:p>
@@ -4306,7 +4307,7 @@
           <a:p>
             <a:fld id="{84F14C54-C974-7748-A6AD-8E5F4EA0395C}" type="datetimeFigureOut">
               <a:rPr lang="fr-FR" smtClean="0"/>
-              <a:t>23/03/2025</a:t>
+              <a:t>24/03/2025</a:t>
             </a:fld>
             <a:endParaRPr lang="fr-FR"/>
           </a:p>
@@ -4569,7 +4570,7 @@
           <a:p>
             <a:fld id="{84F14C54-C974-7748-A6AD-8E5F4EA0395C}" type="datetimeFigureOut">
               <a:rPr lang="fr-FR" smtClean="0"/>
-              <a:t>23/03/2025</a:t>
+              <a:t>24/03/2025</a:t>
             </a:fld>
             <a:endParaRPr lang="fr-FR"/>
           </a:p>
@@ -5312,7 +5313,7 @@
           <a:p>
             <a:fld id="{84F14C54-C974-7748-A6AD-8E5F4EA0395C}" type="datetimeFigureOut">
               <a:rPr lang="fr-FR" smtClean="0"/>
-              <a:t>23/03/2025</a:t>
+              <a:t>24/03/2025</a:t>
             </a:fld>
             <a:endParaRPr lang="fr-FR"/>
           </a:p>
@@ -6032,36 +6033,6 @@
           </a:p>
         </p:txBody>
       </p:sp>
-      <p:pic>
-        <p:nvPicPr>
-          <p:cNvPr id="4" name="Picture 3">
-            <a:extLst>
-              <a:ext uri="{FF2B5EF4-FFF2-40B4-BE49-F238E27FC236}">
-                <a16:creationId xmlns:a16="http://schemas.microsoft.com/office/drawing/2014/main" id="{8FB2ED26-B97A-2171-C3EA-5D114970AD10}"/>
-              </a:ext>
-            </a:extLst>
-          </p:cNvPr>
-          <p:cNvPicPr>
-            <a:picLocks noChangeAspect="1"/>
-          </p:cNvPicPr>
-          <p:nvPr/>
-        </p:nvPicPr>
-        <p:blipFill>
-          <a:blip r:embed="rId2"/>
-          <a:stretch>
-            <a:fillRect/>
-          </a:stretch>
-        </p:blipFill>
-        <p:spPr>
-          <a:xfrm>
-            <a:off x="7430150" y="2847732"/>
-            <a:ext cx="4197566" cy="920797"/>
-          </a:xfrm>
-          <a:prstGeom prst="rect">
-            <a:avLst/>
-          </a:prstGeom>
-        </p:spPr>
-      </p:pic>
       <p:sp>
         <p:nvSpPr>
           <p:cNvPr id="5" name="Title 1">
@@ -6184,7 +6155,7 @@
           <p:nvPr/>
         </p:nvPicPr>
         <p:blipFill>
-          <a:blip r:embed="rId3"/>
+          <a:blip r:embed="rId2"/>
           <a:stretch>
             <a:fillRect/>
           </a:stretch>
@@ -6367,7 +6338,7 @@
         <p:spPr>
           <a:xfrm>
             <a:off x="6307520" y="4214336"/>
-            <a:ext cx="5616466" cy="1477328"/>
+            <a:ext cx="5616466" cy="954107"/>
           </a:xfrm>
           <a:prstGeom prst="rect">
             <a:avLst/>
@@ -6385,34 +6356,64 @@
           <a:lstStyle/>
           <a:p>
             <a:r>
-              <a:rPr lang="en-US" b="1" dirty="0"/>
+              <a:rPr lang="en-US" sz="1400" b="1" dirty="0"/>
               <a:t>Optimal Solution Achieved</a:t>
             </a:r>
           </a:p>
           <a:p>
             <a:r>
-              <a:rPr lang="en-US" dirty="0"/>
+              <a:rPr lang="en-US" sz="1400" dirty="0"/>
               <a:t>The model successfully found an </a:t>
             </a:r>
             <a:r>
-              <a:rPr lang="en-US" b="1" dirty="0"/>
+              <a:rPr lang="en-US" sz="1400" b="1" dirty="0"/>
               <a:t>optimal production plan</a:t>
             </a:r>
             <a:r>
-              <a:rPr lang="en-US" dirty="0"/>
+              <a:rPr lang="en-US" sz="1400" dirty="0"/>
               <a:t> with a </a:t>
             </a:r>
             <a:r>
-              <a:rPr lang="en-US" b="1" dirty="0"/>
-              <a:t>total cost of CHF 862,565</a:t>
-            </a:r>
-            <a:r>
-              <a:rPr lang="en-US" dirty="0"/>
+              <a:rPr lang="en-US" sz="1400" b="1" dirty="0"/>
+              <a:t>total cost of CHF 879515</a:t>
+            </a:r>
+            <a:r>
+              <a:rPr lang="en-US" sz="1400" dirty="0"/>
               <a:t>, fully satisfying demand, safety stock, and capacity constraints across the 15-week planning horizon.</a:t>
             </a:r>
           </a:p>
         </p:txBody>
       </p:sp>
+      <p:pic>
+        <p:nvPicPr>
+          <p:cNvPr id="6" name="Picture 5">
+            <a:extLst>
+              <a:ext uri="{FF2B5EF4-FFF2-40B4-BE49-F238E27FC236}">
+                <a16:creationId xmlns:a16="http://schemas.microsoft.com/office/drawing/2014/main" id="{F9FA6B79-D3C9-7C3A-11F9-3A225F2D7E49}"/>
+              </a:ext>
+            </a:extLst>
+          </p:cNvPr>
+          <p:cNvPicPr>
+            <a:picLocks noChangeAspect="1"/>
+          </p:cNvPicPr>
+          <p:nvPr/>
+        </p:nvPicPr>
+        <p:blipFill>
+          <a:blip r:embed="rId3"/>
+          <a:stretch>
+            <a:fillRect/>
+          </a:stretch>
+        </p:blipFill>
+        <p:spPr>
+          <a:xfrm>
+            <a:off x="7148351" y="2864326"/>
+            <a:ext cx="4159464" cy="933498"/>
+          </a:xfrm>
+          <a:prstGeom prst="rect">
+            <a:avLst/>
+          </a:prstGeom>
+        </p:spPr>
+      </p:pic>
     </p:spTree>
     <p:extLst>
       <p:ext uri="{BB962C8B-B14F-4D97-AF65-F5344CB8AC3E}">
@@ -6443,12 +6444,119 @@
           <a:chExt cx="0" cy="0"/>
         </a:xfrm>
       </p:grpSpPr>
+      <p:sp>
+        <p:nvSpPr>
+          <p:cNvPr id="16" name="Title 1">
+            <a:extLst>
+              <a:ext uri="{FF2B5EF4-FFF2-40B4-BE49-F238E27FC236}">
+                <a16:creationId xmlns:a16="http://schemas.microsoft.com/office/drawing/2014/main" id="{26E74D84-4973-7F95-3AD4-1F02726FA55B}"/>
+              </a:ext>
+            </a:extLst>
+          </p:cNvPr>
+          <p:cNvSpPr txBox="1">
+            <a:spLocks/>
+          </p:cNvSpPr>
+          <p:nvPr/>
+        </p:nvSpPr>
+        <p:spPr>
+          <a:xfrm>
+            <a:off x="240608" y="94089"/>
+            <a:ext cx="3089997" cy="379165"/>
+          </a:xfrm>
+          <a:prstGeom prst="rect">
+            <a:avLst/>
+          </a:prstGeom>
+        </p:spPr>
+        <p:txBody>
+          <a:bodyPr vert="horz" lIns="91440" tIns="45720" rIns="91440" bIns="45720" rtlCol="0" anchor="t">
+            <a:normAutofit/>
+          </a:bodyPr>
+          <a:lstStyle>
+            <a:lvl1pPr algn="l" defTabSz="457200" rtl="0" eaLnBrk="1" latinLnBrk="0" hangingPunct="1">
+              <a:spcBef>
+                <a:spcPct val="0"/>
+              </a:spcBef>
+              <a:buNone/>
+              <a:defRPr sz="3600" kern="1200">
+                <a:solidFill>
+                  <a:schemeClr val="accent1"/>
+                </a:solidFill>
+                <a:latin typeface="+mj-lt"/>
+                <a:ea typeface="+mj-ea"/>
+                <a:cs typeface="+mj-cs"/>
+              </a:defRPr>
+            </a:lvl1pPr>
+            <a:lvl2pPr eaLnBrk="1" hangingPunct="1">
+              <a:defRPr>
+                <a:solidFill>
+                  <a:schemeClr val="tx2"/>
+                </a:solidFill>
+              </a:defRPr>
+            </a:lvl2pPr>
+            <a:lvl3pPr eaLnBrk="1" hangingPunct="1">
+              <a:defRPr>
+                <a:solidFill>
+                  <a:schemeClr val="tx2"/>
+                </a:solidFill>
+              </a:defRPr>
+            </a:lvl3pPr>
+            <a:lvl4pPr eaLnBrk="1" hangingPunct="1">
+              <a:defRPr>
+                <a:solidFill>
+                  <a:schemeClr val="tx2"/>
+                </a:solidFill>
+              </a:defRPr>
+            </a:lvl4pPr>
+            <a:lvl5pPr eaLnBrk="1" hangingPunct="1">
+              <a:defRPr>
+                <a:solidFill>
+                  <a:schemeClr val="tx2"/>
+                </a:solidFill>
+              </a:defRPr>
+            </a:lvl5pPr>
+            <a:lvl6pPr eaLnBrk="1" hangingPunct="1">
+              <a:defRPr>
+                <a:solidFill>
+                  <a:schemeClr val="tx2"/>
+                </a:solidFill>
+              </a:defRPr>
+            </a:lvl6pPr>
+            <a:lvl7pPr eaLnBrk="1" hangingPunct="1">
+              <a:defRPr>
+                <a:solidFill>
+                  <a:schemeClr val="tx2"/>
+                </a:solidFill>
+              </a:defRPr>
+            </a:lvl7pPr>
+            <a:lvl8pPr eaLnBrk="1" hangingPunct="1">
+              <a:defRPr>
+                <a:solidFill>
+                  <a:schemeClr val="tx2"/>
+                </a:solidFill>
+              </a:defRPr>
+            </a:lvl8pPr>
+            <a:lvl9pPr eaLnBrk="1" hangingPunct="1">
+              <a:defRPr>
+                <a:solidFill>
+                  <a:schemeClr val="tx2"/>
+                </a:solidFill>
+              </a:defRPr>
+            </a:lvl9pPr>
+          </a:lstStyle>
+          <a:p>
+            <a:r>
+              <a:rPr lang="en-US" sz="1800" dirty="0"/>
+              <a:t>📦 Production - Cereals</a:t>
+            </a:r>
+          </a:p>
+        </p:txBody>
+      </p:sp>
       <p:pic>
         <p:nvPicPr>
-          <p:cNvPr id="5" name="Picture 4">
+          <p:cNvPr id="3" name="Picture 2">
             <a:extLst>
               <a:ext uri="{FF2B5EF4-FFF2-40B4-BE49-F238E27FC236}">
-                <a16:creationId xmlns:a16="http://schemas.microsoft.com/office/drawing/2014/main" id="{1C37476B-D451-CFB8-FA9C-7249FCF89F1B}"/>
+                <a16:creationId xmlns:a16="http://schemas.microsoft.com/office/drawing/2014/main" id="{E7C2D3AB-0276-5325-538D-A6B698287EC5}"/>
               </a:ext>
             </a:extLst>
           </p:cNvPr>
@@ -6465,8 +6573,8 @@
         </p:blipFill>
         <p:spPr>
           <a:xfrm>
-            <a:off x="242607" y="579188"/>
-            <a:ext cx="5373173" cy="1880234"/>
+            <a:off x="240608" y="772386"/>
+            <a:ext cx="5511807" cy="3917744"/>
           </a:xfrm>
           <a:prstGeom prst="rect">
             <a:avLst/>
@@ -6475,10 +6583,10 @@
       </p:pic>
       <p:pic>
         <p:nvPicPr>
-          <p:cNvPr id="7" name="Picture 6">
+          <p:cNvPr id="6" name="Picture 5">
             <a:extLst>
               <a:ext uri="{FF2B5EF4-FFF2-40B4-BE49-F238E27FC236}">
-                <a16:creationId xmlns:a16="http://schemas.microsoft.com/office/drawing/2014/main" id="{DD7237BF-907C-A6B7-4C1B-DACC2BAC256E}"/>
+                <a16:creationId xmlns:a16="http://schemas.microsoft.com/office/drawing/2014/main" id="{A3109E4E-51B9-3461-B7D8-766BC4DF9D7D}"/>
               </a:ext>
             </a:extLst>
           </p:cNvPr>
@@ -6495,8 +6603,8 @@
         </p:blipFill>
         <p:spPr>
           <a:xfrm>
-            <a:off x="242607" y="2731258"/>
-            <a:ext cx="5373173" cy="1855484"/>
+            <a:off x="240607" y="4650164"/>
+            <a:ext cx="5511807" cy="1881657"/>
           </a:xfrm>
           <a:prstGeom prst="rect">
             <a:avLst/>
@@ -6505,10 +6613,10 @@
       </p:pic>
       <p:pic>
         <p:nvPicPr>
-          <p:cNvPr id="9" name="Picture 8">
+          <p:cNvPr id="14" name="Picture 13">
             <a:extLst>
               <a:ext uri="{FF2B5EF4-FFF2-40B4-BE49-F238E27FC236}">
-                <a16:creationId xmlns:a16="http://schemas.microsoft.com/office/drawing/2014/main" id="{A0B3C9A1-35BE-9276-8A2B-7B48FC71E854}"/>
+                <a16:creationId xmlns:a16="http://schemas.microsoft.com/office/drawing/2014/main" id="{CD11490E-ABCB-8C2D-2B3C-501A994840E5}"/>
               </a:ext>
             </a:extLst>
           </p:cNvPr>
@@ -6525,8 +6633,8 @@
         </p:blipFill>
         <p:spPr>
           <a:xfrm>
-            <a:off x="242607" y="4820177"/>
-            <a:ext cx="5373173" cy="1943734"/>
+            <a:off x="6197392" y="772386"/>
+            <a:ext cx="5717214" cy="4033993"/>
           </a:xfrm>
           <a:prstGeom prst="rect">
             <a:avLst/>
@@ -6535,10 +6643,10 @@
       </p:pic>
       <p:pic>
         <p:nvPicPr>
-          <p:cNvPr id="11" name="Picture 10">
+          <p:cNvPr id="18" name="Picture 17">
             <a:extLst>
               <a:ext uri="{FF2B5EF4-FFF2-40B4-BE49-F238E27FC236}">
-                <a16:creationId xmlns:a16="http://schemas.microsoft.com/office/drawing/2014/main" id="{1DB59536-3D57-269B-F31D-7369D281391C}"/>
+                <a16:creationId xmlns:a16="http://schemas.microsoft.com/office/drawing/2014/main" id="{6458A97B-3C77-7EAA-ECC0-CB7F35B1C8DF}"/>
               </a:ext>
             </a:extLst>
           </p:cNvPr>
@@ -6555,181 +6663,14 @@
         </p:blipFill>
         <p:spPr>
           <a:xfrm>
-            <a:off x="6044317" y="579188"/>
-            <a:ext cx="5511807" cy="1887251"/>
+            <a:off x="6197391" y="4806378"/>
+            <a:ext cx="5717214" cy="1772385"/>
           </a:xfrm>
           <a:prstGeom prst="rect">
             <a:avLst/>
           </a:prstGeom>
         </p:spPr>
       </p:pic>
-      <p:pic>
-        <p:nvPicPr>
-          <p:cNvPr id="13" name="Picture 12">
-            <a:extLst>
-              <a:ext uri="{FF2B5EF4-FFF2-40B4-BE49-F238E27FC236}">
-                <a16:creationId xmlns:a16="http://schemas.microsoft.com/office/drawing/2014/main" id="{5906FF29-D3CE-F8EA-4160-DB9C0D23367E}"/>
-              </a:ext>
-            </a:extLst>
-          </p:cNvPr>
-          <p:cNvPicPr>
-            <a:picLocks noChangeAspect="1"/>
-          </p:cNvPicPr>
-          <p:nvPr/>
-        </p:nvPicPr>
-        <p:blipFill>
-          <a:blip r:embed="rId6"/>
-          <a:stretch>
-            <a:fillRect/>
-          </a:stretch>
-        </p:blipFill>
-        <p:spPr>
-          <a:xfrm>
-            <a:off x="6044317" y="2731258"/>
-            <a:ext cx="5511807" cy="1887251"/>
-          </a:xfrm>
-          <a:prstGeom prst="rect">
-            <a:avLst/>
-          </a:prstGeom>
-        </p:spPr>
-      </p:pic>
-      <p:pic>
-        <p:nvPicPr>
-          <p:cNvPr id="15" name="Picture 14">
-            <a:extLst>
-              <a:ext uri="{FF2B5EF4-FFF2-40B4-BE49-F238E27FC236}">
-                <a16:creationId xmlns:a16="http://schemas.microsoft.com/office/drawing/2014/main" id="{95265F0D-932F-2DF7-A917-318C9A281A1E}"/>
-              </a:ext>
-            </a:extLst>
-          </p:cNvPr>
-          <p:cNvPicPr>
-            <a:picLocks noChangeAspect="1"/>
-          </p:cNvPicPr>
-          <p:nvPr/>
-        </p:nvPicPr>
-        <p:blipFill>
-          <a:blip r:embed="rId7"/>
-          <a:stretch>
-            <a:fillRect/>
-          </a:stretch>
-        </p:blipFill>
-        <p:spPr>
-          <a:xfrm>
-            <a:off x="6044317" y="4824409"/>
-            <a:ext cx="5511807" cy="1939502"/>
-          </a:xfrm>
-          <a:prstGeom prst="rect">
-            <a:avLst/>
-          </a:prstGeom>
-        </p:spPr>
-      </p:pic>
-      <p:sp>
-        <p:nvSpPr>
-          <p:cNvPr id="16" name="Title 1">
-            <a:extLst>
-              <a:ext uri="{FF2B5EF4-FFF2-40B4-BE49-F238E27FC236}">
-                <a16:creationId xmlns:a16="http://schemas.microsoft.com/office/drawing/2014/main" id="{26E74D84-4973-7F95-3AD4-1F02726FA55B}"/>
-              </a:ext>
-            </a:extLst>
-          </p:cNvPr>
-          <p:cNvSpPr txBox="1">
-            <a:spLocks/>
-          </p:cNvSpPr>
-          <p:nvPr/>
-        </p:nvSpPr>
-        <p:spPr>
-          <a:xfrm>
-            <a:off x="240608" y="94089"/>
-            <a:ext cx="3089997" cy="379165"/>
-          </a:xfrm>
-          <a:prstGeom prst="rect">
-            <a:avLst/>
-          </a:prstGeom>
-        </p:spPr>
-        <p:txBody>
-          <a:bodyPr vert="horz" lIns="91440" tIns="45720" rIns="91440" bIns="45720" rtlCol="0" anchor="t">
-            <a:normAutofit/>
-          </a:bodyPr>
-          <a:lstStyle>
-            <a:lvl1pPr algn="l" defTabSz="457200" rtl="0" eaLnBrk="1" latinLnBrk="0" hangingPunct="1">
-              <a:spcBef>
-                <a:spcPct val="0"/>
-              </a:spcBef>
-              <a:buNone/>
-              <a:defRPr sz="3600" kern="1200">
-                <a:solidFill>
-                  <a:schemeClr val="accent1"/>
-                </a:solidFill>
-                <a:latin typeface="+mj-lt"/>
-                <a:ea typeface="+mj-ea"/>
-                <a:cs typeface="+mj-cs"/>
-              </a:defRPr>
-            </a:lvl1pPr>
-            <a:lvl2pPr eaLnBrk="1" hangingPunct="1">
-              <a:defRPr>
-                <a:solidFill>
-                  <a:schemeClr val="tx2"/>
-                </a:solidFill>
-              </a:defRPr>
-            </a:lvl2pPr>
-            <a:lvl3pPr eaLnBrk="1" hangingPunct="1">
-              <a:defRPr>
-                <a:solidFill>
-                  <a:schemeClr val="tx2"/>
-                </a:solidFill>
-              </a:defRPr>
-            </a:lvl3pPr>
-            <a:lvl4pPr eaLnBrk="1" hangingPunct="1">
-              <a:defRPr>
-                <a:solidFill>
-                  <a:schemeClr val="tx2"/>
-                </a:solidFill>
-              </a:defRPr>
-            </a:lvl4pPr>
-            <a:lvl5pPr eaLnBrk="1" hangingPunct="1">
-              <a:defRPr>
-                <a:solidFill>
-                  <a:schemeClr val="tx2"/>
-                </a:solidFill>
-              </a:defRPr>
-            </a:lvl5pPr>
-            <a:lvl6pPr eaLnBrk="1" hangingPunct="1">
-              <a:defRPr>
-                <a:solidFill>
-                  <a:schemeClr val="tx2"/>
-                </a:solidFill>
-              </a:defRPr>
-            </a:lvl6pPr>
-            <a:lvl7pPr eaLnBrk="1" hangingPunct="1">
-              <a:defRPr>
-                <a:solidFill>
-                  <a:schemeClr val="tx2"/>
-                </a:solidFill>
-              </a:defRPr>
-            </a:lvl7pPr>
-            <a:lvl8pPr eaLnBrk="1" hangingPunct="1">
-              <a:defRPr>
-                <a:solidFill>
-                  <a:schemeClr val="tx2"/>
-                </a:solidFill>
-              </a:defRPr>
-            </a:lvl8pPr>
-            <a:lvl9pPr eaLnBrk="1" hangingPunct="1">
-              <a:defRPr>
-                <a:solidFill>
-                  <a:schemeClr val="tx2"/>
-                </a:solidFill>
-              </a:defRPr>
-            </a:lvl9pPr>
-          </a:lstStyle>
-          <a:p>
-            <a:r>
-              <a:rPr lang="en-US" sz="1800" dirty="0"/>
-              <a:t>📦 Production - Cereals</a:t>
-            </a:r>
-          </a:p>
-        </p:txBody>
-      </p:sp>
     </p:spTree>
     <p:extLst>
       <p:ext uri="{BB962C8B-B14F-4D97-AF65-F5344CB8AC3E}">
@@ -6869,10 +6810,10 @@
       </p:sp>
       <p:pic>
         <p:nvPicPr>
-          <p:cNvPr id="3" name="Picture 2">
+          <p:cNvPr id="4" name="Picture 3">
             <a:extLst>
               <a:ext uri="{FF2B5EF4-FFF2-40B4-BE49-F238E27FC236}">
-                <a16:creationId xmlns:a16="http://schemas.microsoft.com/office/drawing/2014/main" id="{A3308F5E-73D9-CAF7-3380-12EBB036DEDF}"/>
+                <a16:creationId xmlns:a16="http://schemas.microsoft.com/office/drawing/2014/main" id="{F560CCC4-94C7-35AA-3E9F-F911FCF390E5}"/>
               </a:ext>
             </a:extLst>
           </p:cNvPr>
@@ -6889,8 +6830,8 @@
         </p:blipFill>
         <p:spPr>
           <a:xfrm>
-            <a:off x="279060" y="570871"/>
-            <a:ext cx="5457057" cy="1914825"/>
+            <a:off x="295811" y="655130"/>
+            <a:ext cx="5800189" cy="4008227"/>
           </a:xfrm>
           <a:prstGeom prst="rect">
             <a:avLst/>
@@ -6899,10 +6840,10 @@
       </p:pic>
       <p:pic>
         <p:nvPicPr>
-          <p:cNvPr id="6" name="Picture 5">
+          <p:cNvPr id="7" name="Picture 6">
             <a:extLst>
               <a:ext uri="{FF2B5EF4-FFF2-40B4-BE49-F238E27FC236}">
-                <a16:creationId xmlns:a16="http://schemas.microsoft.com/office/drawing/2014/main" id="{B67CAC39-EBF6-0622-31F0-74FFE4CC8AB4}"/>
+                <a16:creationId xmlns:a16="http://schemas.microsoft.com/office/drawing/2014/main" id="{41FBA2D5-2E4A-1276-F428-15AA72BA1238}"/>
               </a:ext>
             </a:extLst>
           </p:cNvPr>
@@ -6919,8 +6860,8 @@
         </p:blipFill>
         <p:spPr>
           <a:xfrm>
-            <a:off x="279060" y="2681927"/>
-            <a:ext cx="5457057" cy="1908799"/>
+            <a:off x="295811" y="4663357"/>
+            <a:ext cx="5800189" cy="1987448"/>
           </a:xfrm>
           <a:prstGeom prst="rect">
             <a:avLst/>
@@ -6929,10 +6870,10 @@
       </p:pic>
       <p:pic>
         <p:nvPicPr>
-          <p:cNvPr id="10" name="Picture 9">
+          <p:cNvPr id="9" name="Picture 8">
             <a:extLst>
               <a:ext uri="{FF2B5EF4-FFF2-40B4-BE49-F238E27FC236}">
-                <a16:creationId xmlns:a16="http://schemas.microsoft.com/office/drawing/2014/main" id="{C18F1400-3806-5B52-704B-3CA5E72695C6}"/>
+                <a16:creationId xmlns:a16="http://schemas.microsoft.com/office/drawing/2014/main" id="{A9FE58B2-0AC6-45FA-506D-8F2BAD2BCE9E}"/>
               </a:ext>
             </a:extLst>
           </p:cNvPr>
@@ -6949,8 +6890,8 @@
         </p:blipFill>
         <p:spPr>
           <a:xfrm>
-            <a:off x="279060" y="4786958"/>
-            <a:ext cx="5457057" cy="1860805"/>
+            <a:off x="6268209" y="655130"/>
+            <a:ext cx="5555930" cy="4147154"/>
           </a:xfrm>
           <a:prstGeom prst="rect">
             <a:avLst/>
@@ -6959,10 +6900,10 @@
       </p:pic>
       <p:pic>
         <p:nvPicPr>
-          <p:cNvPr id="14" name="Picture 13">
+          <p:cNvPr id="12" name="Picture 11">
             <a:extLst>
               <a:ext uri="{FF2B5EF4-FFF2-40B4-BE49-F238E27FC236}">
-                <a16:creationId xmlns:a16="http://schemas.microsoft.com/office/drawing/2014/main" id="{61AC0037-ADF3-A9B0-A6AE-FE0D1792F5CB}"/>
+                <a16:creationId xmlns:a16="http://schemas.microsoft.com/office/drawing/2014/main" id="{31C21466-CAE6-3399-3599-BA08EF475FAC}"/>
               </a:ext>
             </a:extLst>
           </p:cNvPr>
@@ -6979,68 +6920,8 @@
         </p:blipFill>
         <p:spPr>
           <a:xfrm>
-            <a:off x="6096000" y="580616"/>
-            <a:ext cx="5457057" cy="1905080"/>
-          </a:xfrm>
-          <a:prstGeom prst="rect">
-            <a:avLst/>
-          </a:prstGeom>
-        </p:spPr>
-      </p:pic>
-      <p:pic>
-        <p:nvPicPr>
-          <p:cNvPr id="18" name="Picture 17">
-            <a:extLst>
-              <a:ext uri="{FF2B5EF4-FFF2-40B4-BE49-F238E27FC236}">
-                <a16:creationId xmlns:a16="http://schemas.microsoft.com/office/drawing/2014/main" id="{6765FDC4-C11E-21D1-4A13-E15AD7BF561E}"/>
-              </a:ext>
-            </a:extLst>
-          </p:cNvPr>
-          <p:cNvPicPr>
-            <a:picLocks noChangeAspect="1"/>
-          </p:cNvPicPr>
-          <p:nvPr/>
-        </p:nvPicPr>
-        <p:blipFill>
-          <a:blip r:embed="rId6"/>
-          <a:stretch>
-            <a:fillRect/>
-          </a:stretch>
-        </p:blipFill>
-        <p:spPr>
-          <a:xfrm>
-            <a:off x="6096000" y="2642955"/>
-            <a:ext cx="5457057" cy="1947771"/>
-          </a:xfrm>
-          <a:prstGeom prst="rect">
-            <a:avLst/>
-          </a:prstGeom>
-        </p:spPr>
-      </p:pic>
-      <p:pic>
-        <p:nvPicPr>
-          <p:cNvPr id="20" name="Picture 19">
-            <a:extLst>
-              <a:ext uri="{FF2B5EF4-FFF2-40B4-BE49-F238E27FC236}">
-                <a16:creationId xmlns:a16="http://schemas.microsoft.com/office/drawing/2014/main" id="{8C35EE8A-78A7-6748-98F4-6A5F389108A7}"/>
-              </a:ext>
-            </a:extLst>
-          </p:cNvPr>
-          <p:cNvPicPr>
-            <a:picLocks noChangeAspect="1"/>
-          </p:cNvPicPr>
-          <p:nvPr/>
-        </p:nvPicPr>
-        <p:blipFill>
-          <a:blip r:embed="rId7"/>
-          <a:stretch>
-            <a:fillRect/>
-          </a:stretch>
-        </p:blipFill>
-        <p:spPr>
-          <a:xfrm>
-            <a:off x="6096000" y="4786958"/>
-            <a:ext cx="5457057" cy="1868322"/>
+            <a:off x="6268208" y="4802284"/>
+            <a:ext cx="5555929" cy="1898231"/>
           </a:xfrm>
           <a:prstGeom prst="rect">
             <a:avLst/>
@@ -7077,12 +6958,59 @@
           <a:chExt cx="0" cy="0"/>
         </a:xfrm>
       </p:grpSpPr>
+      <p:sp>
+        <p:nvSpPr>
+          <p:cNvPr id="9" name="TextBox 8">
+            <a:extLst>
+              <a:ext uri="{FF2B5EF4-FFF2-40B4-BE49-F238E27FC236}">
+                <a16:creationId xmlns:a16="http://schemas.microsoft.com/office/drawing/2014/main" id="{CD0002A8-3EDB-044E-2073-EEA9713D9D61}"/>
+              </a:ext>
+            </a:extLst>
+          </p:cNvPr>
+          <p:cNvSpPr txBox="1"/>
+          <p:nvPr/>
+        </p:nvSpPr>
+        <p:spPr>
+          <a:xfrm>
+            <a:off x="8644283" y="1369859"/>
+            <a:ext cx="2386324" cy="4247317"/>
+          </a:xfrm>
+          <a:prstGeom prst="rect">
+            <a:avLst/>
+          </a:prstGeom>
+          <a:solidFill>
+            <a:schemeClr val="bg1">
+              <a:lumMod val="85000"/>
+            </a:schemeClr>
+          </a:solidFill>
+        </p:spPr>
+        <p:txBody>
+          <a:bodyPr wrap="square">
+            <a:spAutoFit/>
+          </a:bodyPr>
+          <a:lstStyle/>
+          <a:p>
+            <a:r>
+              <a:rPr lang="en-US" dirty="0"/>
+              <a:t>The stacked production graphs show how some products (e.g., Product 3, Product 7) are produced </a:t>
+            </a:r>
+            <a:r>
+              <a:rPr lang="en-US" b="1" dirty="0"/>
+              <a:t>in advance</a:t>
+            </a:r>
+            <a:r>
+              <a:rPr lang="en-US" dirty="0"/>
+              <a:t> to smoothen the load and reduce future setup requirements. This proactive planning avoids production spikes and stabilizes inventory</a:t>
+            </a:r>
+          </a:p>
+        </p:txBody>
+      </p:sp>
       <p:pic>
         <p:nvPicPr>
-          <p:cNvPr id="5" name="Picture 4">
+          <p:cNvPr id="3" name="Picture 2">
             <a:extLst>
               <a:ext uri="{FF2B5EF4-FFF2-40B4-BE49-F238E27FC236}">
-                <a16:creationId xmlns:a16="http://schemas.microsoft.com/office/drawing/2014/main" id="{A504D87D-D162-5E1E-4F9F-9617BA1B2525}"/>
+                <a16:creationId xmlns:a16="http://schemas.microsoft.com/office/drawing/2014/main" id="{390CCD82-FAD6-59E5-5618-4CE49AABB089}"/>
               </a:ext>
             </a:extLst>
           </p:cNvPr>
@@ -7091,16 +7019,15 @@
           </p:cNvPicPr>
           <p:nvPr/>
         </p:nvPicPr>
-        <p:blipFill>
+        <p:blipFill rotWithShape="1">
           <a:blip r:embed="rId2"/>
-          <a:stretch>
-            <a:fillRect/>
-          </a:stretch>
+          <a:srcRect t="1830"/>
+          <a:stretch/>
         </p:blipFill>
         <p:spPr>
           <a:xfrm>
-            <a:off x="1268286" y="93459"/>
-            <a:ext cx="6932082" cy="3400059"/>
+            <a:off x="513401" y="46831"/>
+            <a:ext cx="7395633" cy="3512380"/>
           </a:xfrm>
           <a:prstGeom prst="rect">
             <a:avLst/>
@@ -7109,10 +7036,10 @@
       </p:pic>
       <p:pic>
         <p:nvPicPr>
-          <p:cNvPr id="7" name="Picture 6">
+          <p:cNvPr id="6" name="Picture 5">
             <a:extLst>
               <a:ext uri="{FF2B5EF4-FFF2-40B4-BE49-F238E27FC236}">
-                <a16:creationId xmlns:a16="http://schemas.microsoft.com/office/drawing/2014/main" id="{7F2FAC3D-870D-93CE-2FBC-9240D60A9D97}"/>
+                <a16:creationId xmlns:a16="http://schemas.microsoft.com/office/drawing/2014/main" id="{B43E481C-2907-13F0-3C49-A0FEA9948ADF}"/>
               </a:ext>
             </a:extLst>
           </p:cNvPr>
@@ -7129,61 +7056,14 @@
         </p:blipFill>
         <p:spPr>
           <a:xfrm>
-            <a:off x="1268286" y="3429000"/>
-            <a:ext cx="6932082" cy="3382169"/>
+            <a:off x="662082" y="3493517"/>
+            <a:ext cx="7299504" cy="3449738"/>
           </a:xfrm>
           <a:prstGeom prst="rect">
             <a:avLst/>
           </a:prstGeom>
         </p:spPr>
       </p:pic>
-      <p:sp>
-        <p:nvSpPr>
-          <p:cNvPr id="9" name="TextBox 8">
-            <a:extLst>
-              <a:ext uri="{FF2B5EF4-FFF2-40B4-BE49-F238E27FC236}">
-                <a16:creationId xmlns:a16="http://schemas.microsoft.com/office/drawing/2014/main" id="{CD0002A8-3EDB-044E-2073-EEA9713D9D61}"/>
-              </a:ext>
-            </a:extLst>
-          </p:cNvPr>
-          <p:cNvSpPr txBox="1"/>
-          <p:nvPr/>
-        </p:nvSpPr>
-        <p:spPr>
-          <a:xfrm>
-            <a:off x="8644283" y="1369859"/>
-            <a:ext cx="2386324" cy="4247317"/>
-          </a:xfrm>
-          <a:prstGeom prst="rect">
-            <a:avLst/>
-          </a:prstGeom>
-          <a:solidFill>
-            <a:schemeClr val="bg1">
-              <a:lumMod val="85000"/>
-            </a:schemeClr>
-          </a:solidFill>
-        </p:spPr>
-        <p:txBody>
-          <a:bodyPr wrap="square">
-            <a:spAutoFit/>
-          </a:bodyPr>
-          <a:lstStyle/>
-          <a:p>
-            <a:r>
-              <a:rPr lang="en-US" dirty="0"/>
-              <a:t>The stacked production graphs show how some products (e.g., Product 3, Product 7) are produced </a:t>
-            </a:r>
-            <a:r>
-              <a:rPr lang="en-US" b="1" dirty="0"/>
-              <a:t>in advance</a:t>
-            </a:r>
-            <a:r>
-              <a:rPr lang="en-US" dirty="0"/>
-              <a:t> to smoothen the load and reduce future setup requirements. This proactive planning avoids production spikes and stabilizes inventory</a:t>
-            </a:r>
-          </a:p>
-        </p:txBody>
-      </p:sp>
     </p:spTree>
     <p:extLst>
       <p:ext uri="{BB962C8B-B14F-4D97-AF65-F5344CB8AC3E}">
@@ -7248,12 +7128,213 @@
           </a:p>
         </p:txBody>
       </p:sp>
+      <p:sp>
+        <p:nvSpPr>
+          <p:cNvPr id="16" name="TextBox 15">
+            <a:extLst>
+              <a:ext uri="{FF2B5EF4-FFF2-40B4-BE49-F238E27FC236}">
+                <a16:creationId xmlns:a16="http://schemas.microsoft.com/office/drawing/2014/main" id="{55F4B0C0-9BD5-F02F-384F-49E033DF1C79}"/>
+              </a:ext>
+            </a:extLst>
+          </p:cNvPr>
+          <p:cNvSpPr txBox="1"/>
+          <p:nvPr/>
+        </p:nvSpPr>
+        <p:spPr>
+          <a:xfrm>
+            <a:off x="5591408" y="1357247"/>
+            <a:ext cx="3914520" cy="5355312"/>
+          </a:xfrm>
+          <a:prstGeom prst="rect">
+            <a:avLst/>
+          </a:prstGeom>
+          <a:solidFill>
+            <a:schemeClr val="bg1">
+              <a:lumMod val="85000"/>
+            </a:schemeClr>
+          </a:solidFill>
+        </p:spPr>
+        <p:txBody>
+          <a:bodyPr wrap="square" rtlCol="0">
+            <a:spAutoFit/>
+          </a:bodyPr>
+          <a:lstStyle/>
+          <a:p>
+            <a:r>
+              <a:rPr lang="en-US" b="1" dirty="0">
+                <a:latin typeface="Times New Roman" panose="02020603050405020304" pitchFamily="18" charset="0"/>
+                <a:cs typeface="Times New Roman" panose="02020603050405020304" pitchFamily="18" charset="0"/>
+              </a:rPr>
+              <a:t>Resource Utilization: Well-Balanced, Not Constrained</a:t>
+            </a:r>
+          </a:p>
+          <a:p>
+            <a:endParaRPr lang="en-US" b="1" dirty="0">
+              <a:latin typeface="Times New Roman" panose="02020603050405020304" pitchFamily="18" charset="0"/>
+              <a:cs typeface="Times New Roman" panose="02020603050405020304" pitchFamily="18" charset="0"/>
+            </a:endParaRPr>
+          </a:p>
+          <a:p>
+            <a:pPr>
+              <a:buFont typeface="Arial" panose="020B0604020202020204" pitchFamily="34" charset="0"/>
+              <a:buChar char="•"/>
+            </a:pPr>
+            <a:r>
+              <a:rPr lang="en-US" b="1" dirty="0">
+                <a:latin typeface="Times New Roman" panose="02020603050405020304" pitchFamily="18" charset="0"/>
+                <a:cs typeface="Times New Roman" panose="02020603050405020304" pitchFamily="18" charset="0"/>
+              </a:rPr>
+              <a:t>Mixing Line (Shared):</a:t>
+            </a:r>
+            <a:r>
+              <a:rPr lang="en-US" dirty="0">
+                <a:latin typeface="Times New Roman" panose="02020603050405020304" pitchFamily="18" charset="0"/>
+                <a:cs typeface="Times New Roman" panose="02020603050405020304" pitchFamily="18" charset="0"/>
+              </a:rPr>
+              <a:t> Operating at an average of </a:t>
+            </a:r>
+            <a:r>
+              <a:rPr lang="en-US" b="1" dirty="0">
+                <a:latin typeface="Times New Roman" panose="02020603050405020304" pitchFamily="18" charset="0"/>
+                <a:cs typeface="Times New Roman" panose="02020603050405020304" pitchFamily="18" charset="0"/>
+              </a:rPr>
+              <a:t>81.3%</a:t>
+            </a:r>
+            <a:r>
+              <a:rPr lang="en-US" dirty="0">
+                <a:latin typeface="Times New Roman" panose="02020603050405020304" pitchFamily="18" charset="0"/>
+                <a:cs typeface="Times New Roman" panose="02020603050405020304" pitchFamily="18" charset="0"/>
+              </a:rPr>
+              <a:t> with a </a:t>
+            </a:r>
+            <a:r>
+              <a:rPr lang="en-US" b="1" dirty="0">
+                <a:latin typeface="Times New Roman" panose="02020603050405020304" pitchFamily="18" charset="0"/>
+                <a:cs typeface="Times New Roman" panose="02020603050405020304" pitchFamily="18" charset="0"/>
+              </a:rPr>
+              <a:t>peak of 89.4%</a:t>
+            </a:r>
+            <a:r>
+              <a:rPr lang="en-US" dirty="0">
+                <a:latin typeface="Times New Roman" panose="02020603050405020304" pitchFamily="18" charset="0"/>
+                <a:cs typeface="Times New Roman" panose="02020603050405020304" pitchFamily="18" charset="0"/>
+              </a:rPr>
+              <a:t>. This confirms the line is the critical resource but is well-managed fully leveraged without overload.</a:t>
+            </a:r>
+          </a:p>
+          <a:p>
+            <a:pPr>
+              <a:buFont typeface="Arial" panose="020B0604020202020204" pitchFamily="34" charset="0"/>
+              <a:buChar char="•"/>
+            </a:pPr>
+            <a:r>
+              <a:rPr lang="en-US" b="1" dirty="0">
+                <a:latin typeface="Times New Roman" panose="02020603050405020304" pitchFamily="18" charset="0"/>
+                <a:cs typeface="Times New Roman" panose="02020603050405020304" pitchFamily="18" charset="0"/>
+              </a:rPr>
+              <a:t>Packing Line – Cereals:</a:t>
+            </a:r>
+            <a:r>
+              <a:rPr lang="en-US" dirty="0">
+                <a:latin typeface="Times New Roman" panose="02020603050405020304" pitchFamily="18" charset="0"/>
+                <a:cs typeface="Times New Roman" panose="02020603050405020304" pitchFamily="18" charset="0"/>
+              </a:rPr>
+              <a:t> Utilized at just </a:t>
+            </a:r>
+            <a:r>
+              <a:rPr lang="en-US" b="1" dirty="0">
+                <a:latin typeface="Times New Roman" panose="02020603050405020304" pitchFamily="18" charset="0"/>
+                <a:cs typeface="Times New Roman" panose="02020603050405020304" pitchFamily="18" charset="0"/>
+              </a:rPr>
+              <a:t>35.4%</a:t>
+            </a:r>
+            <a:r>
+              <a:rPr lang="en-US" dirty="0">
+                <a:latin typeface="Times New Roman" panose="02020603050405020304" pitchFamily="18" charset="0"/>
+                <a:cs typeface="Times New Roman" panose="02020603050405020304" pitchFamily="18" charset="0"/>
+              </a:rPr>
+              <a:t> on average, with a </a:t>
+            </a:r>
+            <a:r>
+              <a:rPr lang="en-US" b="1" dirty="0">
+                <a:latin typeface="Times New Roman" panose="02020603050405020304" pitchFamily="18" charset="0"/>
+                <a:cs typeface="Times New Roman" panose="02020603050405020304" pitchFamily="18" charset="0"/>
+              </a:rPr>
+              <a:t>peak of 42.5%</a:t>
+            </a:r>
+            <a:r>
+              <a:rPr lang="en-US" dirty="0">
+                <a:latin typeface="Times New Roman" panose="02020603050405020304" pitchFamily="18" charset="0"/>
+                <a:cs typeface="Times New Roman" panose="02020603050405020304" pitchFamily="18" charset="0"/>
+              </a:rPr>
+              <a:t>. There's considerable spare capacity, suggesting room for reallocation or consolidation.</a:t>
+            </a:r>
+          </a:p>
+          <a:p>
+            <a:pPr>
+              <a:buFont typeface="Arial" panose="020B0604020202020204" pitchFamily="34" charset="0"/>
+              <a:buChar char="•"/>
+            </a:pPr>
+            <a:r>
+              <a:rPr lang="en-US" b="1" dirty="0">
+                <a:latin typeface="Times New Roman" panose="02020603050405020304" pitchFamily="18" charset="0"/>
+                <a:cs typeface="Times New Roman" panose="02020603050405020304" pitchFamily="18" charset="0"/>
+              </a:rPr>
+              <a:t>Packing Line – Fruits:</a:t>
+            </a:r>
+            <a:r>
+              <a:rPr lang="en-US" dirty="0">
+                <a:latin typeface="Times New Roman" panose="02020603050405020304" pitchFamily="18" charset="0"/>
+                <a:cs typeface="Times New Roman" panose="02020603050405020304" pitchFamily="18" charset="0"/>
+              </a:rPr>
+              <a:t> Severely underused, averaging </a:t>
+            </a:r>
+            <a:r>
+              <a:rPr lang="en-US" b="1" dirty="0">
+                <a:latin typeface="Times New Roman" panose="02020603050405020304" pitchFamily="18" charset="0"/>
+                <a:cs typeface="Times New Roman" panose="02020603050405020304" pitchFamily="18" charset="0"/>
+              </a:rPr>
+              <a:t>17.8%</a:t>
+            </a:r>
+            <a:r>
+              <a:rPr lang="en-US" dirty="0">
+                <a:latin typeface="Times New Roman" panose="02020603050405020304" pitchFamily="18" charset="0"/>
+                <a:cs typeface="Times New Roman" panose="02020603050405020304" pitchFamily="18" charset="0"/>
+              </a:rPr>
+              <a:t> with a peak of </a:t>
+            </a:r>
+            <a:r>
+              <a:rPr lang="en-US" b="1" dirty="0">
+                <a:latin typeface="Times New Roman" panose="02020603050405020304" pitchFamily="18" charset="0"/>
+                <a:cs typeface="Times New Roman" panose="02020603050405020304" pitchFamily="18" charset="0"/>
+              </a:rPr>
+              <a:t>20.1%</a:t>
+            </a:r>
+            <a:r>
+              <a:rPr lang="en-US" dirty="0">
+                <a:latin typeface="Times New Roman" panose="02020603050405020304" pitchFamily="18" charset="0"/>
+                <a:cs typeface="Times New Roman" panose="02020603050405020304" pitchFamily="18" charset="0"/>
+              </a:rPr>
+              <a:t>. This is a non-critical resource and a strong candidate for optimization or reduction.</a:t>
+            </a:r>
+          </a:p>
+          <a:p>
+            <a:r>
+              <a:rPr lang="en-US" dirty="0">
+                <a:latin typeface="Times New Roman" panose="02020603050405020304" pitchFamily="18" charset="0"/>
+                <a:cs typeface="Times New Roman" panose="02020603050405020304" pitchFamily="18" charset="0"/>
+              </a:rPr>
+              <a:t>.</a:t>
+            </a:r>
+          </a:p>
+        </p:txBody>
+      </p:sp>
       <p:pic>
         <p:nvPicPr>
-          <p:cNvPr id="5" name="Picture 4">
+          <p:cNvPr id="4" name="Picture 3">
             <a:extLst>
               <a:ext uri="{FF2B5EF4-FFF2-40B4-BE49-F238E27FC236}">
-                <a16:creationId xmlns:a16="http://schemas.microsoft.com/office/drawing/2014/main" id="{A489F52C-6330-4A55-D6D6-63928772B67C}"/>
+                <a16:creationId xmlns:a16="http://schemas.microsoft.com/office/drawing/2014/main" id="{1BD37EE0-B773-0038-248F-1176EB05C0E0}"/>
               </a:ext>
             </a:extLst>
           </p:cNvPr>
@@ -7270,222 +7351,14 @@
         </p:blipFill>
         <p:spPr>
           <a:xfrm>
-            <a:off x="548370" y="972206"/>
-            <a:ext cx="4275409" cy="5722883"/>
+            <a:off x="582187" y="880241"/>
+            <a:ext cx="4368185" cy="5935327"/>
           </a:xfrm>
           <a:prstGeom prst="rect">
             <a:avLst/>
           </a:prstGeom>
         </p:spPr>
       </p:pic>
-      <p:sp>
-        <p:nvSpPr>
-          <p:cNvPr id="16" name="TextBox 15">
-            <a:extLst>
-              <a:ext uri="{FF2B5EF4-FFF2-40B4-BE49-F238E27FC236}">
-                <a16:creationId xmlns:a16="http://schemas.microsoft.com/office/drawing/2014/main" id="{55F4B0C0-9BD5-F02F-384F-49E033DF1C79}"/>
-              </a:ext>
-            </a:extLst>
-          </p:cNvPr>
-          <p:cNvSpPr txBox="1"/>
-          <p:nvPr/>
-        </p:nvSpPr>
-        <p:spPr>
-          <a:xfrm>
-            <a:off x="5591408" y="1357247"/>
-            <a:ext cx="3914520" cy="4801314"/>
-          </a:xfrm>
-          <a:prstGeom prst="rect">
-            <a:avLst/>
-          </a:prstGeom>
-          <a:solidFill>
-            <a:schemeClr val="bg1">
-              <a:lumMod val="85000"/>
-            </a:schemeClr>
-          </a:solidFill>
-        </p:spPr>
-        <p:txBody>
-          <a:bodyPr wrap="square" rtlCol="0">
-            <a:spAutoFit/>
-          </a:bodyPr>
-          <a:lstStyle/>
-          <a:p>
-            <a:r>
-              <a:rPr lang="en-US" b="1" dirty="0">
-                <a:latin typeface="Times New Roman" panose="02020603050405020304" pitchFamily="18" charset="0"/>
-                <a:cs typeface="Times New Roman" panose="02020603050405020304" pitchFamily="18" charset="0"/>
-              </a:rPr>
-              <a:t>Resource Utilization: Efficient but Not Overloaded</a:t>
-            </a:r>
-          </a:p>
-          <a:p>
-            <a:endParaRPr lang="en-US" b="1" dirty="0">
-              <a:latin typeface="Times New Roman" panose="02020603050405020304" pitchFamily="18" charset="0"/>
-              <a:cs typeface="Times New Roman" panose="02020603050405020304" pitchFamily="18" charset="0"/>
-            </a:endParaRPr>
-          </a:p>
-          <a:p>
-            <a:pPr>
-              <a:buFont typeface="Arial" panose="020B0604020202020204" pitchFamily="34" charset="0"/>
-              <a:buChar char="•"/>
-            </a:pPr>
-            <a:r>
-              <a:rPr lang="en-US" b="1" dirty="0">
-                <a:latin typeface="Times New Roman" panose="02020603050405020304" pitchFamily="18" charset="0"/>
-                <a:cs typeface="Times New Roman" panose="02020603050405020304" pitchFamily="18" charset="0"/>
-              </a:rPr>
-              <a:t>Mixing Line (Shared):</a:t>
-            </a:r>
-            <a:r>
-              <a:rPr lang="en-US" dirty="0">
-                <a:latin typeface="Times New Roman" panose="02020603050405020304" pitchFamily="18" charset="0"/>
-                <a:cs typeface="Times New Roman" panose="02020603050405020304" pitchFamily="18" charset="0"/>
-              </a:rPr>
-              <a:t> Averaged </a:t>
-            </a:r>
-            <a:r>
-              <a:rPr lang="en-US" b="1" dirty="0">
-                <a:latin typeface="Times New Roman" panose="02020603050405020304" pitchFamily="18" charset="0"/>
-                <a:cs typeface="Times New Roman" panose="02020603050405020304" pitchFamily="18" charset="0"/>
-              </a:rPr>
-              <a:t>79.7%</a:t>
-            </a:r>
-            <a:r>
-              <a:rPr lang="en-US" dirty="0">
-                <a:latin typeface="Times New Roman" panose="02020603050405020304" pitchFamily="18" charset="0"/>
-                <a:cs typeface="Times New Roman" panose="02020603050405020304" pitchFamily="18" charset="0"/>
-              </a:rPr>
-              <a:t> utilization with a </a:t>
-            </a:r>
-            <a:r>
-              <a:rPr lang="en-US" b="1" dirty="0">
-                <a:latin typeface="Times New Roman" panose="02020603050405020304" pitchFamily="18" charset="0"/>
-                <a:cs typeface="Times New Roman" panose="02020603050405020304" pitchFamily="18" charset="0"/>
-              </a:rPr>
-              <a:t>peak of 89.5%</a:t>
-            </a:r>
-            <a:r>
-              <a:rPr lang="en-US" dirty="0">
-                <a:latin typeface="Times New Roman" panose="02020603050405020304" pitchFamily="18" charset="0"/>
-                <a:cs typeface="Times New Roman" panose="02020603050405020304" pitchFamily="18" charset="0"/>
-              </a:rPr>
-              <a:t>, indicating efficient usage without exceeding capacity limits.</a:t>
-            </a:r>
-          </a:p>
-          <a:p>
-            <a:pPr>
-              <a:buFont typeface="Arial" panose="020B0604020202020204" pitchFamily="34" charset="0"/>
-              <a:buChar char="•"/>
-            </a:pPr>
-            <a:endParaRPr lang="en-US" dirty="0">
-              <a:latin typeface="Times New Roman" panose="02020603050405020304" pitchFamily="18" charset="0"/>
-              <a:cs typeface="Times New Roman" panose="02020603050405020304" pitchFamily="18" charset="0"/>
-            </a:endParaRPr>
-          </a:p>
-          <a:p>
-            <a:pPr>
-              <a:buFont typeface="Arial" panose="020B0604020202020204" pitchFamily="34" charset="0"/>
-              <a:buChar char="•"/>
-            </a:pPr>
-            <a:r>
-              <a:rPr lang="en-US" b="1" dirty="0">
-                <a:latin typeface="Times New Roman" panose="02020603050405020304" pitchFamily="18" charset="0"/>
-                <a:cs typeface="Times New Roman" panose="02020603050405020304" pitchFamily="18" charset="0"/>
-              </a:rPr>
-              <a:t>Packing Line – Cereals:</a:t>
-            </a:r>
-            <a:r>
-              <a:rPr lang="en-US" dirty="0">
-                <a:latin typeface="Times New Roman" panose="02020603050405020304" pitchFamily="18" charset="0"/>
-                <a:cs typeface="Times New Roman" panose="02020603050405020304" pitchFamily="18" charset="0"/>
-              </a:rPr>
-              <a:t> Low usage, averaging </a:t>
-            </a:r>
-            <a:r>
-              <a:rPr lang="en-US" b="1" dirty="0">
-                <a:latin typeface="Times New Roman" panose="02020603050405020304" pitchFamily="18" charset="0"/>
-                <a:cs typeface="Times New Roman" panose="02020603050405020304" pitchFamily="18" charset="0"/>
-              </a:rPr>
-              <a:t>34.9%</a:t>
-            </a:r>
-            <a:r>
-              <a:rPr lang="en-US" dirty="0">
-                <a:latin typeface="Times New Roman" panose="02020603050405020304" pitchFamily="18" charset="0"/>
-                <a:cs typeface="Times New Roman" panose="02020603050405020304" pitchFamily="18" charset="0"/>
-              </a:rPr>
-              <a:t> with a peak of </a:t>
-            </a:r>
-            <a:r>
-              <a:rPr lang="en-US" b="1" dirty="0">
-                <a:latin typeface="Times New Roman" panose="02020603050405020304" pitchFamily="18" charset="0"/>
-                <a:cs typeface="Times New Roman" panose="02020603050405020304" pitchFamily="18" charset="0"/>
-              </a:rPr>
-              <a:t>42.1%</a:t>
-            </a:r>
-            <a:r>
-              <a:rPr lang="en-US" dirty="0">
-                <a:latin typeface="Times New Roman" panose="02020603050405020304" pitchFamily="18" charset="0"/>
-                <a:cs typeface="Times New Roman" panose="02020603050405020304" pitchFamily="18" charset="0"/>
-              </a:rPr>
-              <a:t>, meaning there is significant spare capacity.</a:t>
-            </a:r>
-          </a:p>
-          <a:p>
-            <a:endParaRPr lang="en-US" dirty="0">
-              <a:latin typeface="Times New Roman" panose="02020603050405020304" pitchFamily="18" charset="0"/>
-              <a:cs typeface="Times New Roman" panose="02020603050405020304" pitchFamily="18" charset="0"/>
-            </a:endParaRPr>
-          </a:p>
-          <a:p>
-            <a:pPr>
-              <a:buFont typeface="Arial" panose="020B0604020202020204" pitchFamily="34" charset="0"/>
-              <a:buChar char="•"/>
-            </a:pPr>
-            <a:r>
-              <a:rPr lang="en-US" b="1" dirty="0">
-                <a:latin typeface="Times New Roman" panose="02020603050405020304" pitchFamily="18" charset="0"/>
-                <a:cs typeface="Times New Roman" panose="02020603050405020304" pitchFamily="18" charset="0"/>
-              </a:rPr>
-              <a:t>Packing Line – Fruits:</a:t>
-            </a:r>
-            <a:r>
-              <a:rPr lang="en-US" dirty="0">
-                <a:latin typeface="Times New Roman" panose="02020603050405020304" pitchFamily="18" charset="0"/>
-                <a:cs typeface="Times New Roman" panose="02020603050405020304" pitchFamily="18" charset="0"/>
-              </a:rPr>
-              <a:t> Very underutilized, with only </a:t>
-            </a:r>
-            <a:r>
-              <a:rPr lang="en-US" b="1" dirty="0">
-                <a:latin typeface="Times New Roman" panose="02020603050405020304" pitchFamily="18" charset="0"/>
-                <a:cs typeface="Times New Roman" panose="02020603050405020304" pitchFamily="18" charset="0"/>
-              </a:rPr>
-              <a:t>17.3%</a:t>
-            </a:r>
-            <a:r>
-              <a:rPr lang="en-US" dirty="0">
-                <a:latin typeface="Times New Roman" panose="02020603050405020304" pitchFamily="18" charset="0"/>
-                <a:cs typeface="Times New Roman" panose="02020603050405020304" pitchFamily="18" charset="0"/>
-              </a:rPr>
-              <a:t> average utilization and </a:t>
-            </a:r>
-            <a:r>
-              <a:rPr lang="en-US" b="1" dirty="0">
-                <a:latin typeface="Times New Roman" panose="02020603050405020304" pitchFamily="18" charset="0"/>
-                <a:cs typeface="Times New Roman" panose="02020603050405020304" pitchFamily="18" charset="0"/>
-              </a:rPr>
-              <a:t>20.6%</a:t>
-            </a:r>
-            <a:r>
-              <a:rPr lang="en-US" dirty="0">
-                <a:latin typeface="Times New Roman" panose="02020603050405020304" pitchFamily="18" charset="0"/>
-                <a:cs typeface="Times New Roman" panose="02020603050405020304" pitchFamily="18" charset="0"/>
-              </a:rPr>
-              <a:t> peak. This resource is far from being a bottleneck.</a:t>
-            </a:r>
-          </a:p>
-        </p:txBody>
-      </p:sp>
     </p:spTree>
     <p:extLst>
       <p:ext uri="{BB962C8B-B14F-4D97-AF65-F5344CB8AC3E}">
@@ -7550,12 +7423,277 @@
           </a:p>
         </p:txBody>
       </p:sp>
+      <p:sp>
+        <p:nvSpPr>
+          <p:cNvPr id="4" name="TextBox 3">
+            <a:extLst>
+              <a:ext uri="{FF2B5EF4-FFF2-40B4-BE49-F238E27FC236}">
+                <a16:creationId xmlns:a16="http://schemas.microsoft.com/office/drawing/2014/main" id="{550215BD-D436-8C3B-0C54-354B01623E2F}"/>
+              </a:ext>
+            </a:extLst>
+          </p:cNvPr>
+          <p:cNvSpPr txBox="1"/>
+          <p:nvPr/>
+        </p:nvSpPr>
+        <p:spPr>
+          <a:xfrm>
+            <a:off x="6420629" y="3915517"/>
+            <a:ext cx="5704226" cy="1569660"/>
+          </a:xfrm>
+          <a:prstGeom prst="rect">
+            <a:avLst/>
+          </a:prstGeom>
+          <a:solidFill>
+            <a:schemeClr val="bg1">
+              <a:lumMod val="85000"/>
+            </a:schemeClr>
+          </a:solidFill>
+        </p:spPr>
+        <p:txBody>
+          <a:bodyPr wrap="square" rtlCol="0">
+            <a:spAutoFit/>
+          </a:bodyPr>
+          <a:lstStyle/>
+          <a:p>
+            <a:r>
+              <a:rPr lang="en-US" sz="1200" b="1" dirty="0">
+                <a:latin typeface="Times New Roman" panose="02020603050405020304" pitchFamily="18" charset="0"/>
+                <a:cs typeface="Times New Roman" panose="02020603050405020304" pitchFamily="18" charset="0"/>
+              </a:rPr>
+              <a:t>Key Insights</a:t>
+            </a:r>
+          </a:p>
+          <a:p>
+            <a:pPr>
+              <a:buFont typeface="Arial" panose="020B0604020202020204" pitchFamily="34" charset="0"/>
+              <a:buChar char="•"/>
+            </a:pPr>
+            <a:r>
+              <a:rPr lang="en-US" sz="1200" b="1" dirty="0">
+                <a:latin typeface="Times New Roman" panose="02020603050405020304" pitchFamily="18" charset="0"/>
+                <a:cs typeface="Times New Roman" panose="02020603050405020304" pitchFamily="18" charset="0"/>
+              </a:rPr>
+              <a:t>Mixing Line is the Bottleneck:</a:t>
+            </a:r>
+            <a:r>
+              <a:rPr lang="en-US" sz="1200" dirty="0">
+                <a:latin typeface="Times New Roman" panose="02020603050405020304" pitchFamily="18" charset="0"/>
+                <a:cs typeface="Times New Roman" panose="02020603050405020304" pitchFamily="18" charset="0"/>
+              </a:rPr>
+              <a:t> Utilization peaks at </a:t>
+            </a:r>
+            <a:r>
+              <a:rPr lang="en-US" sz="1200" b="1" dirty="0">
+                <a:latin typeface="Times New Roman" panose="02020603050405020304" pitchFamily="18" charset="0"/>
+                <a:cs typeface="Times New Roman" panose="02020603050405020304" pitchFamily="18" charset="0"/>
+              </a:rPr>
+              <a:t>nearly 90%</a:t>
+            </a:r>
+            <a:r>
+              <a:rPr lang="en-US" sz="1200" dirty="0">
+                <a:latin typeface="Times New Roman" panose="02020603050405020304" pitchFamily="18" charset="0"/>
+                <a:cs typeface="Times New Roman" panose="02020603050405020304" pitchFamily="18" charset="0"/>
+              </a:rPr>
+              <a:t>, with consistently high weekly usage. This confirms it's the </a:t>
+            </a:r>
+            <a:r>
+              <a:rPr lang="en-US" sz="1200" b="1" dirty="0">
+                <a:latin typeface="Times New Roman" panose="02020603050405020304" pitchFamily="18" charset="0"/>
+                <a:cs typeface="Times New Roman" panose="02020603050405020304" pitchFamily="18" charset="0"/>
+              </a:rPr>
+              <a:t>critical constraint</a:t>
+            </a:r>
+            <a:r>
+              <a:rPr lang="en-US" sz="1200" dirty="0">
+                <a:latin typeface="Times New Roman" panose="02020603050405020304" pitchFamily="18" charset="0"/>
+                <a:cs typeface="Times New Roman" panose="02020603050405020304" pitchFamily="18" charset="0"/>
+              </a:rPr>
+              <a:t> in the system.</a:t>
+            </a:r>
+          </a:p>
+          <a:p>
+            <a:pPr>
+              <a:buFont typeface="Arial" panose="020B0604020202020204" pitchFamily="34" charset="0"/>
+              <a:buChar char="•"/>
+            </a:pPr>
+            <a:r>
+              <a:rPr lang="en-US" sz="1200" b="1" dirty="0">
+                <a:latin typeface="Times New Roman" panose="02020603050405020304" pitchFamily="18" charset="0"/>
+                <a:cs typeface="Times New Roman" panose="02020603050405020304" pitchFamily="18" charset="0"/>
+              </a:rPr>
+              <a:t>Cleaning (Setup) is Well-Leveled:</a:t>
+            </a:r>
+            <a:r>
+              <a:rPr lang="en-US" sz="1200" dirty="0">
+                <a:latin typeface="Times New Roman" panose="02020603050405020304" pitchFamily="18" charset="0"/>
+                <a:cs typeface="Times New Roman" panose="02020603050405020304" pitchFamily="18" charset="0"/>
+              </a:rPr>
+              <a:t> The consistent layering of setup times across weeks shows </a:t>
+            </a:r>
+            <a:r>
+              <a:rPr lang="en-US" sz="1200" b="1" dirty="0">
+                <a:latin typeface="Times New Roman" panose="02020603050405020304" pitchFamily="18" charset="0"/>
+                <a:cs typeface="Times New Roman" panose="02020603050405020304" pitchFamily="18" charset="0"/>
+              </a:rPr>
+              <a:t>strategic sequencing</a:t>
+            </a:r>
+            <a:r>
+              <a:rPr lang="en-US" sz="1200" dirty="0">
+                <a:latin typeface="Times New Roman" panose="02020603050405020304" pitchFamily="18" charset="0"/>
+                <a:cs typeface="Times New Roman" panose="02020603050405020304" pitchFamily="18" charset="0"/>
+              </a:rPr>
+              <a:t>, helping avoid costly spikes and smoothing total workload.</a:t>
+            </a:r>
+          </a:p>
+          <a:p>
+            <a:pPr>
+              <a:buFont typeface="Arial" panose="020B0604020202020204" pitchFamily="34" charset="0"/>
+              <a:buChar char="•"/>
+            </a:pPr>
+            <a:r>
+              <a:rPr lang="en-US" sz="1200" b="1" dirty="0">
+                <a:latin typeface="Times New Roman" panose="02020603050405020304" pitchFamily="18" charset="0"/>
+                <a:cs typeface="Times New Roman" panose="02020603050405020304" pitchFamily="18" charset="0"/>
+              </a:rPr>
+              <a:t>Packing Lines are Oversized:</a:t>
+            </a:r>
+            <a:endParaRPr lang="en-US" sz="1200" dirty="0">
+              <a:latin typeface="Times New Roman" panose="02020603050405020304" pitchFamily="18" charset="0"/>
+              <a:cs typeface="Times New Roman" panose="02020603050405020304" pitchFamily="18" charset="0"/>
+            </a:endParaRPr>
+          </a:p>
+          <a:p>
+            <a:pPr marL="742950" lvl="1" indent="-285750">
+              <a:buFont typeface="Arial" panose="020B0604020202020204" pitchFamily="34" charset="0"/>
+              <a:buChar char="•"/>
+            </a:pPr>
+            <a:r>
+              <a:rPr lang="en-US" sz="1200" b="1" dirty="0">
+                <a:latin typeface="Times New Roman" panose="02020603050405020304" pitchFamily="18" charset="0"/>
+                <a:cs typeface="Times New Roman" panose="02020603050405020304" pitchFamily="18" charset="0"/>
+              </a:rPr>
+              <a:t>Cereals:</a:t>
+            </a:r>
+            <a:r>
+              <a:rPr lang="en-US" sz="1200" dirty="0">
+                <a:latin typeface="Times New Roman" panose="02020603050405020304" pitchFamily="18" charset="0"/>
+                <a:cs typeface="Times New Roman" panose="02020603050405020304" pitchFamily="18" charset="0"/>
+              </a:rPr>
+              <a:t> Usage never exceeds </a:t>
+            </a:r>
+            <a:r>
+              <a:rPr lang="en-US" sz="1200" b="1" dirty="0">
+                <a:latin typeface="Times New Roman" panose="02020603050405020304" pitchFamily="18" charset="0"/>
+                <a:cs typeface="Times New Roman" panose="02020603050405020304" pitchFamily="18" charset="0"/>
+              </a:rPr>
+              <a:t>43%</a:t>
+            </a:r>
+            <a:r>
+              <a:rPr lang="en-US" sz="1200" dirty="0">
+                <a:latin typeface="Times New Roman" panose="02020603050405020304" pitchFamily="18" charset="0"/>
+                <a:cs typeface="Times New Roman" panose="02020603050405020304" pitchFamily="18" charset="0"/>
+              </a:rPr>
+              <a:t> of capacity.</a:t>
+            </a:r>
+          </a:p>
+          <a:p>
+            <a:pPr marL="742950" lvl="1" indent="-285750">
+              <a:buFont typeface="Arial" panose="020B0604020202020204" pitchFamily="34" charset="0"/>
+              <a:buChar char="•"/>
+            </a:pPr>
+            <a:r>
+              <a:rPr lang="en-US" sz="1200" b="1" dirty="0">
+                <a:latin typeface="Times New Roman" panose="02020603050405020304" pitchFamily="18" charset="0"/>
+                <a:cs typeface="Times New Roman" panose="02020603050405020304" pitchFamily="18" charset="0"/>
+              </a:rPr>
+              <a:t>Fruits:</a:t>
+            </a:r>
+            <a:r>
+              <a:rPr lang="en-US" sz="1200" dirty="0">
+                <a:latin typeface="Times New Roman" panose="02020603050405020304" pitchFamily="18" charset="0"/>
+                <a:cs typeface="Times New Roman" panose="02020603050405020304" pitchFamily="18" charset="0"/>
+              </a:rPr>
+              <a:t> Underused, peaking at just </a:t>
+            </a:r>
+            <a:r>
+              <a:rPr lang="en-US" sz="1200" b="1" dirty="0">
+                <a:latin typeface="Times New Roman" panose="02020603050405020304" pitchFamily="18" charset="0"/>
+                <a:cs typeface="Times New Roman" panose="02020603050405020304" pitchFamily="18" charset="0"/>
+              </a:rPr>
+              <a:t>20.6%</a:t>
+            </a:r>
+            <a:r>
+              <a:rPr lang="en-US" sz="1200" dirty="0">
+                <a:latin typeface="Times New Roman" panose="02020603050405020304" pitchFamily="18" charset="0"/>
+                <a:cs typeface="Times New Roman" panose="02020603050405020304" pitchFamily="18" charset="0"/>
+              </a:rPr>
+              <a:t>, indicating </a:t>
+            </a:r>
+            <a:r>
+              <a:rPr lang="en-US" sz="1200" b="1" dirty="0">
+                <a:latin typeface="Times New Roman" panose="02020603050405020304" pitchFamily="18" charset="0"/>
+                <a:cs typeface="Times New Roman" panose="02020603050405020304" pitchFamily="18" charset="0"/>
+              </a:rPr>
+              <a:t>major overcapacity</a:t>
+            </a:r>
+            <a:r>
+              <a:rPr lang="en-US" sz="1200" dirty="0">
+                <a:latin typeface="Times New Roman" panose="02020603050405020304" pitchFamily="18" charset="0"/>
+                <a:cs typeface="Times New Roman" panose="02020603050405020304" pitchFamily="18" charset="0"/>
+              </a:rPr>
+              <a:t>.</a:t>
+            </a:r>
+          </a:p>
+        </p:txBody>
+      </p:sp>
+      <p:sp>
+        <p:nvSpPr>
+          <p:cNvPr id="8" name="TextBox 7">
+            <a:extLst>
+              <a:ext uri="{FF2B5EF4-FFF2-40B4-BE49-F238E27FC236}">
+                <a16:creationId xmlns:a16="http://schemas.microsoft.com/office/drawing/2014/main" id="{1F523335-BCE5-536C-8D0C-33CBDF7EAD69}"/>
+              </a:ext>
+            </a:extLst>
+          </p:cNvPr>
+          <p:cNvSpPr txBox="1"/>
+          <p:nvPr/>
+        </p:nvSpPr>
+        <p:spPr>
+          <a:xfrm>
+            <a:off x="6420629" y="5665408"/>
+            <a:ext cx="5704226" cy="1015663"/>
+          </a:xfrm>
+          <a:prstGeom prst="rect">
+            <a:avLst/>
+          </a:prstGeom>
+          <a:solidFill>
+            <a:schemeClr val="bg1">
+              <a:lumMod val="85000"/>
+            </a:schemeClr>
+          </a:solidFill>
+        </p:spPr>
+        <p:txBody>
+          <a:bodyPr wrap="square" rtlCol="0">
+            <a:spAutoFit/>
+          </a:bodyPr>
+          <a:lstStyle/>
+          <a:p>
+            <a:r>
+              <a:rPr lang="en-US" sz="1200" dirty="0">
+                <a:latin typeface="Times New Roman" panose="02020603050405020304" pitchFamily="18" charset="0"/>
+                <a:cs typeface="Times New Roman" panose="02020603050405020304" pitchFamily="18" charset="0"/>
+              </a:rPr>
+              <a:t>The packing lines offer significant slack, particularly fruits. In contrast, the mixing line is clearly the critical resource and has been carefully optimized through effective setup planning and workload leveling. Moving forward, the focus should be on exploring capacity rebalancing, leaner packing operations, or even introducing setup cost differentiation to reflect operational effort</a:t>
+            </a:r>
+          </a:p>
+        </p:txBody>
+      </p:sp>
       <p:pic>
         <p:nvPicPr>
-          <p:cNvPr id="9" name="Picture 8">
+          <p:cNvPr id="5" name="Picture 4">
             <a:extLst>
               <a:ext uri="{FF2B5EF4-FFF2-40B4-BE49-F238E27FC236}">
-                <a16:creationId xmlns:a16="http://schemas.microsoft.com/office/drawing/2014/main" id="{66B2888D-5CCE-39E4-F44F-7704AA8C3038}"/>
+                <a16:creationId xmlns:a16="http://schemas.microsoft.com/office/drawing/2014/main" id="{A979E945-E992-F26A-5911-D5AEF5E0FBC0}"/>
               </a:ext>
             </a:extLst>
           </p:cNvPr>
@@ -7572,8 +7710,8 @@
         </p:blipFill>
         <p:spPr>
           <a:xfrm>
-            <a:off x="381906" y="858127"/>
-            <a:ext cx="5714094" cy="2884349"/>
+            <a:off x="236411" y="3815395"/>
+            <a:ext cx="5944221" cy="2940580"/>
           </a:xfrm>
           <a:prstGeom prst="rect">
             <a:avLst/>
@@ -7582,10 +7720,10 @@
       </p:pic>
       <p:pic>
         <p:nvPicPr>
-          <p:cNvPr id="11" name="Picture 10">
+          <p:cNvPr id="7" name="Picture 6">
             <a:extLst>
               <a:ext uri="{FF2B5EF4-FFF2-40B4-BE49-F238E27FC236}">
-                <a16:creationId xmlns:a16="http://schemas.microsoft.com/office/drawing/2014/main" id="{85209201-3A6A-40CB-8D07-B0E66AAFDA60}"/>
+                <a16:creationId xmlns:a16="http://schemas.microsoft.com/office/drawing/2014/main" id="{16FE6C3B-B2F9-D8AF-DE2F-943D34736C98}"/>
               </a:ext>
             </a:extLst>
           </p:cNvPr>
@@ -7602,8 +7740,8 @@
         </p:blipFill>
         <p:spPr>
           <a:xfrm>
-            <a:off x="6142656" y="905998"/>
-            <a:ext cx="5302704" cy="2804138"/>
+            <a:off x="164701" y="813394"/>
+            <a:ext cx="6015931" cy="2989345"/>
           </a:xfrm>
           <a:prstGeom prst="rect">
             <a:avLst/>
@@ -7612,10 +7750,10 @@
       </p:pic>
       <p:pic>
         <p:nvPicPr>
-          <p:cNvPr id="13" name="Picture 12">
+          <p:cNvPr id="12" name="Picture 11">
             <a:extLst>
               <a:ext uri="{FF2B5EF4-FFF2-40B4-BE49-F238E27FC236}">
-                <a16:creationId xmlns:a16="http://schemas.microsoft.com/office/drawing/2014/main" id="{4AFC1881-1242-7418-E007-5B728D6B661C}"/>
+                <a16:creationId xmlns:a16="http://schemas.microsoft.com/office/drawing/2014/main" id="{CE24D78D-A23F-C40F-CE0F-E06E9A841B95}"/>
               </a:ext>
             </a:extLst>
           </p:cNvPr>
@@ -7632,237 +7770,14 @@
         </p:blipFill>
         <p:spPr>
           <a:xfrm>
-            <a:off x="291533" y="3810105"/>
-            <a:ext cx="6333857" cy="3044800"/>
+            <a:off x="6180633" y="800737"/>
+            <a:ext cx="5944222" cy="3027637"/>
           </a:xfrm>
           <a:prstGeom prst="rect">
             <a:avLst/>
           </a:prstGeom>
         </p:spPr>
       </p:pic>
-      <p:sp>
-        <p:nvSpPr>
-          <p:cNvPr id="4" name="TextBox 3">
-            <a:extLst>
-              <a:ext uri="{FF2B5EF4-FFF2-40B4-BE49-F238E27FC236}">
-                <a16:creationId xmlns:a16="http://schemas.microsoft.com/office/drawing/2014/main" id="{550215BD-D436-8C3B-0C54-354B01623E2F}"/>
-              </a:ext>
-            </a:extLst>
-          </p:cNvPr>
-          <p:cNvSpPr txBox="1"/>
-          <p:nvPr/>
-        </p:nvSpPr>
-        <p:spPr>
-          <a:xfrm>
-            <a:off x="6751514" y="3674455"/>
-            <a:ext cx="5233701" cy="1631216"/>
-          </a:xfrm>
-          <a:prstGeom prst="rect">
-            <a:avLst/>
-          </a:prstGeom>
-          <a:solidFill>
-            <a:schemeClr val="bg1">
-              <a:lumMod val="85000"/>
-            </a:schemeClr>
-          </a:solidFill>
-        </p:spPr>
-        <p:txBody>
-          <a:bodyPr wrap="square" rtlCol="0">
-            <a:spAutoFit/>
-          </a:bodyPr>
-          <a:lstStyle/>
-          <a:p>
-            <a:r>
-              <a:rPr lang="en-US" sz="1600" b="1" dirty="0">
-                <a:latin typeface="Times New Roman" panose="02020603050405020304" pitchFamily="18" charset="0"/>
-                <a:cs typeface="Times New Roman" panose="02020603050405020304" pitchFamily="18" charset="0"/>
-              </a:rPr>
-              <a:t>Key Insights</a:t>
-            </a:r>
-          </a:p>
-          <a:p>
-            <a:pPr>
-              <a:buFont typeface="Arial" panose="020B0604020202020204" pitchFamily="34" charset="0"/>
-              <a:buChar char="•"/>
-            </a:pPr>
-            <a:r>
-              <a:rPr lang="en-US" sz="1200" b="1" dirty="0">
-                <a:latin typeface="Times New Roman" panose="02020603050405020304" pitchFamily="18" charset="0"/>
-                <a:cs typeface="Times New Roman" panose="02020603050405020304" pitchFamily="18" charset="0"/>
-              </a:rPr>
-              <a:t>Mixing line is the most constrained</a:t>
-            </a:r>
-            <a:r>
-              <a:rPr lang="en-US" sz="1200" dirty="0">
-                <a:latin typeface="Times New Roman" panose="02020603050405020304" pitchFamily="18" charset="0"/>
-                <a:cs typeface="Times New Roman" panose="02020603050405020304" pitchFamily="18" charset="0"/>
-              </a:rPr>
-              <a:t>: Utilization peaks at nearly </a:t>
-            </a:r>
-            <a:r>
-              <a:rPr lang="en-US" sz="1200" b="1" dirty="0">
-                <a:latin typeface="Times New Roman" panose="02020603050405020304" pitchFamily="18" charset="0"/>
-                <a:cs typeface="Times New Roman" panose="02020603050405020304" pitchFamily="18" charset="0"/>
-              </a:rPr>
-              <a:t>90%</a:t>
-            </a:r>
-            <a:r>
-              <a:rPr lang="en-US" sz="1200" dirty="0">
-                <a:latin typeface="Times New Roman" panose="02020603050405020304" pitchFamily="18" charset="0"/>
-                <a:cs typeface="Times New Roman" panose="02020603050405020304" pitchFamily="18" charset="0"/>
-              </a:rPr>
-              <a:t>, and weekly loads remain consistently high. This confirms it's the </a:t>
-            </a:r>
-            <a:r>
-              <a:rPr lang="en-US" sz="1200" b="1" dirty="0">
-                <a:latin typeface="Times New Roman" panose="02020603050405020304" pitchFamily="18" charset="0"/>
-                <a:cs typeface="Times New Roman" panose="02020603050405020304" pitchFamily="18" charset="0"/>
-              </a:rPr>
-              <a:t>critical resource</a:t>
-            </a:r>
-            <a:r>
-              <a:rPr lang="en-US" sz="1200" dirty="0">
-                <a:latin typeface="Times New Roman" panose="02020603050405020304" pitchFamily="18" charset="0"/>
-                <a:cs typeface="Times New Roman" panose="02020603050405020304" pitchFamily="18" charset="0"/>
-              </a:rPr>
-              <a:t>.</a:t>
-            </a:r>
-          </a:p>
-          <a:p>
-            <a:pPr>
-              <a:buFont typeface="Arial" panose="020B0604020202020204" pitchFamily="34" charset="0"/>
-              <a:buChar char="•"/>
-            </a:pPr>
-            <a:r>
-              <a:rPr lang="en-US" sz="1200" b="1" dirty="0">
-                <a:latin typeface="Times New Roman" panose="02020603050405020304" pitchFamily="18" charset="0"/>
-                <a:cs typeface="Times New Roman" panose="02020603050405020304" pitchFamily="18" charset="0"/>
-              </a:rPr>
-              <a:t>Setup planning is efficient</a:t>
-            </a:r>
-            <a:r>
-              <a:rPr lang="en-US" sz="1200" dirty="0">
-                <a:latin typeface="Times New Roman" panose="02020603050405020304" pitchFamily="18" charset="0"/>
-                <a:cs typeface="Times New Roman" panose="02020603050405020304" pitchFamily="18" charset="0"/>
-              </a:rPr>
-              <a:t>: The spread of cleaning times suggests </a:t>
-            </a:r>
-            <a:r>
-              <a:rPr lang="en-US" sz="1200" b="1" dirty="0">
-                <a:latin typeface="Times New Roman" panose="02020603050405020304" pitchFamily="18" charset="0"/>
-                <a:cs typeface="Times New Roman" panose="02020603050405020304" pitchFamily="18" charset="0"/>
-              </a:rPr>
-              <a:t>thoughtful sequencing</a:t>
-            </a:r>
-            <a:r>
-              <a:rPr lang="en-US" sz="1200" dirty="0">
-                <a:latin typeface="Times New Roman" panose="02020603050405020304" pitchFamily="18" charset="0"/>
-                <a:cs typeface="Times New Roman" panose="02020603050405020304" pitchFamily="18" charset="0"/>
-              </a:rPr>
-              <a:t> to reduce idle time and cleaning overlap.</a:t>
-            </a:r>
-          </a:p>
-          <a:p>
-            <a:pPr>
-              <a:buFont typeface="Arial" panose="020B0604020202020204" pitchFamily="34" charset="0"/>
-              <a:buChar char="•"/>
-            </a:pPr>
-            <a:r>
-              <a:rPr lang="en-US" sz="1200" b="1" dirty="0">
-                <a:latin typeface="Times New Roman" panose="02020603050405020304" pitchFamily="18" charset="0"/>
-                <a:cs typeface="Times New Roman" panose="02020603050405020304" pitchFamily="18" charset="0"/>
-              </a:rPr>
-              <a:t>Packing lines are underutilized</a:t>
-            </a:r>
-            <a:r>
-              <a:rPr lang="en-US" sz="1200" dirty="0">
-                <a:latin typeface="Times New Roman" panose="02020603050405020304" pitchFamily="18" charset="0"/>
-                <a:cs typeface="Times New Roman" panose="02020603050405020304" pitchFamily="18" charset="0"/>
-              </a:rPr>
-              <a:t>:</a:t>
-            </a:r>
-          </a:p>
-          <a:p>
-            <a:pPr marL="742950" lvl="1" indent="-285750">
-              <a:buFont typeface="Arial" panose="020B0604020202020204" pitchFamily="34" charset="0"/>
-              <a:buChar char="•"/>
-            </a:pPr>
-            <a:r>
-              <a:rPr lang="en-US" sz="1200" b="1" dirty="0">
-                <a:latin typeface="Times New Roman" panose="02020603050405020304" pitchFamily="18" charset="0"/>
-                <a:cs typeface="Times New Roman" panose="02020603050405020304" pitchFamily="18" charset="0"/>
-              </a:rPr>
-              <a:t>Cereals</a:t>
-            </a:r>
-            <a:r>
-              <a:rPr lang="en-US" sz="1200" dirty="0">
-                <a:latin typeface="Times New Roman" panose="02020603050405020304" pitchFamily="18" charset="0"/>
-                <a:cs typeface="Times New Roman" panose="02020603050405020304" pitchFamily="18" charset="0"/>
-              </a:rPr>
-              <a:t> reach only ~42% peak utilization.</a:t>
-            </a:r>
-          </a:p>
-          <a:p>
-            <a:pPr marL="742950" lvl="1" indent="-285750">
-              <a:buFont typeface="Arial" panose="020B0604020202020204" pitchFamily="34" charset="0"/>
-              <a:buChar char="•"/>
-            </a:pPr>
-            <a:r>
-              <a:rPr lang="en-US" sz="1200" b="1" dirty="0">
-                <a:latin typeface="Times New Roman" panose="02020603050405020304" pitchFamily="18" charset="0"/>
-                <a:cs typeface="Times New Roman" panose="02020603050405020304" pitchFamily="18" charset="0"/>
-              </a:rPr>
-              <a:t>Fruits</a:t>
-            </a:r>
-            <a:r>
-              <a:rPr lang="en-US" sz="1200" dirty="0">
-                <a:latin typeface="Times New Roman" panose="02020603050405020304" pitchFamily="18" charset="0"/>
-                <a:cs typeface="Times New Roman" panose="02020603050405020304" pitchFamily="18" charset="0"/>
-              </a:rPr>
-              <a:t> are significantly underloaded, with usage hovering below 21%.</a:t>
-            </a:r>
-          </a:p>
-        </p:txBody>
-      </p:sp>
-      <p:sp>
-        <p:nvSpPr>
-          <p:cNvPr id="8" name="TextBox 7">
-            <a:extLst>
-              <a:ext uri="{FF2B5EF4-FFF2-40B4-BE49-F238E27FC236}">
-                <a16:creationId xmlns:a16="http://schemas.microsoft.com/office/drawing/2014/main" id="{1F523335-BCE5-536C-8D0C-33CBDF7EAD69}"/>
-              </a:ext>
-            </a:extLst>
-          </p:cNvPr>
-          <p:cNvSpPr txBox="1"/>
-          <p:nvPr/>
-        </p:nvSpPr>
-        <p:spPr>
-          <a:xfrm>
-            <a:off x="6751514" y="5412073"/>
-            <a:ext cx="5233700" cy="1200329"/>
-          </a:xfrm>
-          <a:prstGeom prst="rect">
-            <a:avLst/>
-          </a:prstGeom>
-          <a:solidFill>
-            <a:schemeClr val="bg1">
-              <a:lumMod val="85000"/>
-            </a:schemeClr>
-          </a:solidFill>
-        </p:spPr>
-        <p:txBody>
-          <a:bodyPr wrap="square" rtlCol="0">
-            <a:spAutoFit/>
-          </a:bodyPr>
-          <a:lstStyle/>
-          <a:p>
-            <a:r>
-              <a:rPr lang="en-US" sz="1200" dirty="0"/>
-              <a:t>The packing lines offer significant slack, particularly fruits. In contrast, the mixing line is clearly the critical resource and has been carefully optimized through effective setup planning and workload leveling. Moving forward, the focus should be on exploring capacity rebalancing, leaner packing operations, or even introducing setup cost differentiation to reflect operational effort</a:t>
-            </a:r>
-          </a:p>
-        </p:txBody>
-      </p:sp>
     </p:spTree>
     <p:extLst>
       <p:ext uri="{BB962C8B-B14F-4D97-AF65-F5344CB8AC3E}">
@@ -7957,7 +7872,7 @@
         </p:blipFill>
         <p:spPr bwMode="auto">
           <a:xfrm>
-            <a:off x="587458" y="1986035"/>
+            <a:off x="555927" y="1804982"/>
             <a:ext cx="4682359" cy="2907929"/>
           </a:xfrm>
           <a:prstGeom prst="rect">
@@ -7996,7 +7911,7 @@
         </p:blipFill>
         <p:spPr>
           <a:xfrm>
-            <a:off x="5791200" y="1903684"/>
+            <a:off x="6001407" y="1865078"/>
             <a:ext cx="4529958" cy="2809227"/>
           </a:xfrm>
           <a:prstGeom prst="rect">
@@ -8018,8 +7933,8 @@
         </p:nvSpPr>
         <p:spPr>
           <a:xfrm>
-            <a:off x="62792" y="4954316"/>
-            <a:ext cx="6648064" cy="1846659"/>
+            <a:off x="141620" y="4674305"/>
+            <a:ext cx="6648064" cy="2031325"/>
           </a:xfrm>
           <a:prstGeom prst="rect">
             <a:avLst/>
@@ -8037,23 +7952,16 @@
           <a:lstStyle/>
           <a:p>
             <a:r>
-              <a:rPr lang="en-US" b="1" dirty="0">
+              <a:rPr lang="en-US" sz="1400" b="1" dirty="0">
                 <a:latin typeface="Times New Roman" panose="02020603050405020304" pitchFamily="18" charset="0"/>
                 <a:cs typeface="Times New Roman" panose="02020603050405020304" pitchFamily="18" charset="0"/>
               </a:rPr>
-              <a:t>📊 </a:t>
-            </a:r>
-            <a:r>
-              <a:rPr lang="en-US" sz="1200" b="1" dirty="0">
-                <a:latin typeface="Times New Roman" panose="02020603050405020304" pitchFamily="18" charset="0"/>
-                <a:cs typeface="Times New Roman" panose="02020603050405020304" pitchFamily="18" charset="0"/>
-              </a:rPr>
-              <a:t>Solving Time vs Problem Size: Key Insights</a:t>
-            </a:r>
-          </a:p>
-          <a:p>
-            <a:r>
-              <a:rPr lang="en-US" sz="1200" dirty="0">
+              <a:t>📊 Solving Time vs Problem Size: Key Insights</a:t>
+            </a:r>
+          </a:p>
+          <a:p>
+            <a:r>
+              <a:rPr lang="en-US" sz="1400" dirty="0">
                 <a:latin typeface="Times New Roman" panose="02020603050405020304" pitchFamily="18" charset="0"/>
                 <a:cs typeface="Times New Roman" panose="02020603050405020304" pitchFamily="18" charset="0"/>
               </a:rPr>
@@ -8066,14 +7974,14 @@
               <a:buChar char="•"/>
             </a:pPr>
             <a:r>
-              <a:rPr lang="en-US" sz="1200" b="1" dirty="0">
+              <a:rPr lang="en-US" sz="1400" b="1" dirty="0">
                 <a:latin typeface="Times New Roman" panose="02020603050405020304" pitchFamily="18" charset="0"/>
                 <a:cs typeface="Times New Roman" panose="02020603050405020304" pitchFamily="18" charset="0"/>
               </a:rPr>
               <a:t> Increase in solve time</a:t>
             </a:r>
             <a:r>
-              <a:rPr lang="en-US" sz="1200" dirty="0">
+              <a:rPr lang="en-US" sz="1400" dirty="0">
                 <a:latin typeface="Times New Roman" panose="02020603050405020304" pitchFamily="18" charset="0"/>
                 <a:cs typeface="Times New Roman" panose="02020603050405020304" pitchFamily="18" charset="0"/>
               </a:rPr>
@@ -8086,21 +7994,21 @@
               <a:buChar char="•"/>
             </a:pPr>
             <a:r>
-              <a:rPr lang="en-US" sz="1200" dirty="0">
+              <a:rPr lang="en-US" sz="1400" dirty="0">
                 <a:latin typeface="Times New Roman" panose="02020603050405020304" pitchFamily="18" charset="0"/>
                 <a:cs typeface="Times New Roman" panose="02020603050405020304" pitchFamily="18" charset="0"/>
               </a:rPr>
               <a:t>The right-hand plot shows a </a:t>
             </a:r>
             <a:r>
-              <a:rPr lang="en-US" sz="1200" b="1" dirty="0">
+              <a:rPr lang="en-US" sz="1400" b="1" dirty="0">
                 <a:latin typeface="Times New Roman" panose="02020603050405020304" pitchFamily="18" charset="0"/>
                 <a:cs typeface="Times New Roman" panose="02020603050405020304" pitchFamily="18" charset="0"/>
               </a:rPr>
               <a:t>steeper curve</a:t>
             </a:r>
             <a:r>
-              <a:rPr lang="en-US" sz="1200" dirty="0">
+              <a:rPr lang="en-US" sz="1400" dirty="0">
                 <a:latin typeface="Times New Roman" panose="02020603050405020304" pitchFamily="18" charset="0"/>
                 <a:cs typeface="Times New Roman" panose="02020603050405020304" pitchFamily="18" charset="0"/>
               </a:rPr>
@@ -8113,35 +8021,35 @@
               <a:buChar char="•"/>
             </a:pPr>
             <a:r>
-              <a:rPr lang="en-US" sz="1200" dirty="0">
+              <a:rPr lang="en-US" sz="1400" dirty="0">
                 <a:latin typeface="Times New Roman" panose="02020603050405020304" pitchFamily="18" charset="0"/>
                 <a:cs typeface="Times New Roman" panose="02020603050405020304" pitchFamily="18" charset="0"/>
               </a:rPr>
               <a:t>Around </a:t>
             </a:r>
             <a:r>
-              <a:rPr lang="en-US" sz="1200" b="1" dirty="0">
+              <a:rPr lang="en-US" sz="1400" b="1" dirty="0">
                 <a:latin typeface="Times New Roman" panose="02020603050405020304" pitchFamily="18" charset="0"/>
                 <a:cs typeface="Times New Roman" panose="02020603050405020304" pitchFamily="18" charset="0"/>
               </a:rPr>
               <a:t>10–12 products</a:t>
             </a:r>
             <a:r>
-              <a:rPr lang="en-US" sz="1200" dirty="0">
+              <a:rPr lang="en-US" sz="1400" dirty="0">
                 <a:latin typeface="Times New Roman" panose="02020603050405020304" pitchFamily="18" charset="0"/>
                 <a:cs typeface="Times New Roman" panose="02020603050405020304" pitchFamily="18" charset="0"/>
               </a:rPr>
               <a:t>, the model likely hits a </a:t>
             </a:r>
             <a:r>
-              <a:rPr lang="en-US" sz="1200" b="1" dirty="0">
+              <a:rPr lang="en-US" sz="1400" b="1" dirty="0">
                 <a:latin typeface="Times New Roman" panose="02020603050405020304" pitchFamily="18" charset="0"/>
                 <a:cs typeface="Times New Roman" panose="02020603050405020304" pitchFamily="18" charset="0"/>
               </a:rPr>
               <a:t>computational threshold</a:t>
             </a:r>
             <a:r>
-              <a:rPr lang="en-US" sz="1200" dirty="0">
+              <a:rPr lang="en-US" sz="1400" dirty="0">
                 <a:latin typeface="Times New Roman" panose="02020603050405020304" pitchFamily="18" charset="0"/>
                 <a:cs typeface="Times New Roman" panose="02020603050405020304" pitchFamily="18" charset="0"/>
               </a:rPr>
@@ -8278,6 +8186,219 @@
     <p:extLst>
       <p:ext uri="{BB962C8B-B14F-4D97-AF65-F5344CB8AC3E}">
         <p14:creationId xmlns:p14="http://schemas.microsoft.com/office/powerpoint/2010/main" val="2288079352"/>
+      </p:ext>
+    </p:extLst>
+  </p:cSld>
+  <p:clrMapOvr>
+    <a:masterClrMapping/>
+  </p:clrMapOvr>
+</p:sld>
+</file>
+
+<file path=ppt/slides/slide9.xml><?xml version="1.0" encoding="utf-8"?>
+<p:sld xmlns:a="http://schemas.openxmlformats.org/drawingml/2006/main" xmlns:r="http://schemas.openxmlformats.org/officeDocument/2006/relationships" xmlns:p="http://schemas.openxmlformats.org/presentationml/2006/main">
+  <p:cSld>
+    <p:spTree>
+      <p:nvGrpSpPr>
+        <p:cNvPr id="1" name=""/>
+        <p:cNvGrpSpPr/>
+        <p:nvPr/>
+      </p:nvGrpSpPr>
+      <p:grpSpPr>
+        <a:xfrm>
+          <a:off x="0" y="0"/>
+          <a:ext cx="0" cy="0"/>
+          <a:chOff x="0" y="0"/>
+          <a:chExt cx="0" cy="0"/>
+        </a:xfrm>
+      </p:grpSpPr>
+      <p:sp>
+        <p:nvSpPr>
+          <p:cNvPr id="2" name="Title 1">
+            <a:extLst>
+              <a:ext uri="{FF2B5EF4-FFF2-40B4-BE49-F238E27FC236}">
+                <a16:creationId xmlns:a16="http://schemas.microsoft.com/office/drawing/2014/main" id="{4BC4BDE6-9B68-77E3-0812-7442B873D92D}"/>
+              </a:ext>
+            </a:extLst>
+          </p:cNvPr>
+          <p:cNvSpPr>
+            <a:spLocks noGrp="1"/>
+          </p:cNvSpPr>
+          <p:nvPr>
+            <p:ph type="title"/>
+          </p:nvPr>
+        </p:nvSpPr>
+        <p:spPr/>
+        <p:txBody>
+          <a:bodyPr/>
+          <a:lstStyle/>
+          <a:p>
+            <a:r>
+              <a:rPr lang="en-US" dirty="0"/>
+              <a:t>Sensitivity analysis Setup cost</a:t>
+            </a:r>
+          </a:p>
+        </p:txBody>
+      </p:sp>
+      <p:pic>
+        <p:nvPicPr>
+          <p:cNvPr id="5" name="Picture 4">
+            <a:extLst>
+              <a:ext uri="{FF2B5EF4-FFF2-40B4-BE49-F238E27FC236}">
+                <a16:creationId xmlns:a16="http://schemas.microsoft.com/office/drawing/2014/main" id="{4EDB4E81-2574-8121-C2E5-6F1B488F2536}"/>
+              </a:ext>
+            </a:extLst>
+          </p:cNvPr>
+          <p:cNvPicPr>
+            <a:picLocks noChangeAspect="1"/>
+          </p:cNvPicPr>
+          <p:nvPr/>
+        </p:nvPicPr>
+        <p:blipFill rotWithShape="1">
+          <a:blip r:embed="rId2"/>
+          <a:srcRect l="3107" t="792" r="8561" b="5861"/>
+          <a:stretch/>
+        </p:blipFill>
+        <p:spPr>
+          <a:xfrm>
+            <a:off x="677334" y="1555037"/>
+            <a:ext cx="6290287" cy="3904625"/>
+          </a:xfrm>
+          <a:prstGeom prst="rect">
+            <a:avLst/>
+          </a:prstGeom>
+        </p:spPr>
+      </p:pic>
+      <p:sp>
+        <p:nvSpPr>
+          <p:cNvPr id="7" name="TextBox 6">
+            <a:extLst>
+              <a:ext uri="{FF2B5EF4-FFF2-40B4-BE49-F238E27FC236}">
+                <a16:creationId xmlns:a16="http://schemas.microsoft.com/office/drawing/2014/main" id="{7FE8EB2E-EE8B-C000-3134-AE9E0589BE3C}"/>
+              </a:ext>
+            </a:extLst>
+          </p:cNvPr>
+          <p:cNvSpPr txBox="1"/>
+          <p:nvPr/>
+        </p:nvSpPr>
+        <p:spPr>
+          <a:xfrm>
+            <a:off x="7370011" y="1522190"/>
+            <a:ext cx="3410284" cy="3970318"/>
+          </a:xfrm>
+          <a:prstGeom prst="rect">
+            <a:avLst/>
+          </a:prstGeom>
+          <a:solidFill>
+            <a:schemeClr val="bg1">
+              <a:lumMod val="85000"/>
+            </a:schemeClr>
+          </a:solidFill>
+        </p:spPr>
+        <p:txBody>
+          <a:bodyPr wrap="square">
+            <a:spAutoFit/>
+          </a:bodyPr>
+          <a:lstStyle/>
+          <a:p>
+            <a:r>
+              <a:rPr lang="en-US" sz="1400" b="1" dirty="0"/>
+              <a:t>Key Takeaways from Sensitivity Analysis:</a:t>
+            </a:r>
+            <a:endParaRPr lang="en-US" sz="1400" dirty="0"/>
+          </a:p>
+          <a:p>
+            <a:pPr>
+              <a:buFont typeface="Arial" panose="020B0604020202020204" pitchFamily="34" charset="0"/>
+              <a:buChar char="•"/>
+            </a:pPr>
+            <a:r>
+              <a:rPr lang="en-US" sz="1400" dirty="0"/>
+              <a:t>🔵 </a:t>
+            </a:r>
+            <a:r>
+              <a:rPr lang="en-US" sz="1400" b="1" dirty="0"/>
+              <a:t>Setup cost strongly impacts total cost</a:t>
+            </a:r>
+            <a:r>
+              <a:rPr lang="en-US" sz="1400" dirty="0"/>
+              <a:t> – as setup cost increases, total cost rises significantly.</a:t>
+            </a:r>
+          </a:p>
+          <a:p>
+            <a:pPr>
+              <a:buFont typeface="Arial" panose="020B0604020202020204" pitchFamily="34" charset="0"/>
+              <a:buChar char="•"/>
+            </a:pPr>
+            <a:r>
+              <a:rPr lang="en-US" sz="1400" dirty="0"/>
+              <a:t>🔴 </a:t>
+            </a:r>
+            <a:r>
+              <a:rPr lang="en-US" sz="1400" b="1" dirty="0"/>
+              <a:t>Setup frequency is only slightly reduced</a:t>
+            </a:r>
+            <a:r>
+              <a:rPr lang="en-US" sz="1400" dirty="0"/>
+              <a:t> – the model avoids some setups as they get more expensive, but the effect is limited.</a:t>
+            </a:r>
+          </a:p>
+          <a:p>
+            <a:pPr>
+              <a:buFont typeface="Arial" panose="020B0604020202020204" pitchFamily="34" charset="0"/>
+              <a:buChar char="•"/>
+            </a:pPr>
+            <a:r>
+              <a:rPr lang="en-US" sz="1400" dirty="0"/>
+              <a:t>📉 </a:t>
+            </a:r>
+            <a:r>
+              <a:rPr lang="en-US" sz="1400" b="1" dirty="0"/>
+              <a:t>Setup decisions are demand-driven</a:t>
+            </a:r>
+            <a:r>
+              <a:rPr lang="en-US" sz="1400" dirty="0"/>
+              <a:t> – high demand variability and safety stock needs force setups, regardless of cost.</a:t>
+            </a:r>
+          </a:p>
+          <a:p>
+            <a:pPr>
+              <a:buFont typeface="Arial" panose="020B0604020202020204" pitchFamily="34" charset="0"/>
+              <a:buChar char="•"/>
+            </a:pPr>
+            <a:r>
+              <a:rPr lang="en-US" sz="1400" dirty="0"/>
+              <a:t>⚠️ </a:t>
+            </a:r>
+            <a:r>
+              <a:rPr lang="en-US" sz="1400" b="1" dirty="0"/>
+              <a:t>Conclusion:</a:t>
+            </a:r>
+            <a:r>
+              <a:rPr lang="en-US" sz="1400" dirty="0"/>
+              <a:t> The model is </a:t>
+            </a:r>
+            <a:r>
+              <a:rPr lang="en-US" sz="1400" b="1" dirty="0"/>
+              <a:t>not highly sensitive</a:t>
+            </a:r>
+            <a:r>
+              <a:rPr lang="en-US" sz="1400" dirty="0"/>
+              <a:t> to setup cost in terms of operational behavior. Most setups are structurally necessary.</a:t>
+            </a:r>
+          </a:p>
+          <a:p>
+            <a:endParaRPr lang="en-US" sz="1400" b="1" dirty="0">
+              <a:latin typeface="Times New Roman" panose="02020603050405020304" pitchFamily="18" charset="0"/>
+              <a:cs typeface="Times New Roman" panose="02020603050405020304" pitchFamily="18" charset="0"/>
+            </a:endParaRPr>
+          </a:p>
+        </p:txBody>
+      </p:sp>
+    </p:spTree>
+    <p:extLst>
+      <p:ext uri="{BB962C8B-B14F-4D97-AF65-F5344CB8AC3E}">
+        <p14:creationId xmlns:p14="http://schemas.microsoft.com/office/powerpoint/2010/main" val="3211405255"/>
       </p:ext>
     </p:extLst>
   </p:cSld>
